--- a/docs/Presentation.pptx
+++ b/docs/Presentation.pptx
@@ -24,6 +24,8 @@
     <p:sldId id="268" r:id="rId19"/>
     <p:sldId id="269" r:id="rId20"/>
     <p:sldId id="270" r:id="rId21"/>
+    <p:sldId id="271" r:id="rId22"/>
+    <p:sldId id="272" r:id="rId23"/>
   </p:sldIdLst>
   <p:sldSz cy="6858000" cx="12192000"/>
   <p:notesSz cx="7559675" cy="10691800"/>
@@ -789,7 +791,7 @@
   <p:cSld>
     <p:spTree>
       <p:nvGrpSpPr>
-        <p:cNvPr id="95" name="Shape 95"/>
+        <p:cNvPr id="98" name="Shape 98"/>
         <p:cNvGrpSpPr/>
         <p:nvPr/>
       </p:nvGrpSpPr>
@@ -803,7 +805,7 @@
       </p:grpSpPr>
       <p:sp>
         <p:nvSpPr>
-          <p:cNvPr id="96" name="Google Shape;96;p10:notes"/>
+          <p:cNvPr id="99" name="Google Shape;99;p9:notes"/>
           <p:cNvSpPr txBox="1"/>
           <p:nvPr>
             <p:ph idx="1" type="body"/>
@@ -842,7 +844,7 @@
       </p:sp>
       <p:sp>
         <p:nvSpPr>
-          <p:cNvPr id="97" name="Google Shape;97;p10:notes"/>
+          <p:cNvPr id="100" name="Google Shape;100;p9:notes"/>
           <p:cNvSpPr/>
           <p:nvPr>
             <p:ph idx="2" type="sldImg"/>
@@ -888,7 +890,7 @@
   <p:cSld>
     <p:spTree>
       <p:nvGrpSpPr>
-        <p:cNvPr id="102" name="Shape 102"/>
+        <p:cNvPr id="105" name="Shape 105"/>
         <p:cNvGrpSpPr/>
         <p:nvPr/>
       </p:nvGrpSpPr>
@@ -902,46 +904,7 @@
       </p:grpSpPr>
       <p:sp>
         <p:nvSpPr>
-          <p:cNvPr id="103" name="Google Shape;103;p11:notes"/>
-          <p:cNvSpPr txBox="1"/>
-          <p:nvPr>
-            <p:ph idx="1" type="body"/>
-          </p:nvPr>
-        </p:nvSpPr>
-        <p:spPr>
-          <a:xfrm>
-            <a:off x="755950" y="5078600"/>
-            <a:ext cx="6047725" cy="4811300"/>
-          </a:xfrm>
-          <a:prstGeom prst="rect">
-            <a:avLst/>
-          </a:prstGeom>
-        </p:spPr>
-        <p:txBody>
-          <a:bodyPr anchorCtr="0" anchor="t" bIns="91425" lIns="91425" spcFirstLastPara="1" rIns="91425" wrap="square" tIns="91425">
-            <a:noAutofit/>
-          </a:bodyPr>
-          <a:lstStyle/>
-          <a:p>
-            <a:pPr indent="0" lvl="0" marL="0" rtl="0" algn="l">
-              <a:spcBef>
-                <a:spcPts val="0"/>
-              </a:spcBef>
-              <a:spcAft>
-                <a:spcPts val="0"/>
-              </a:spcAft>
-              <a:buNone/>
-            </a:pPr>
-            <a:r>
-              <a:t/>
-            </a:r>
-            <a:endParaRPr/>
-          </a:p>
-        </p:txBody>
-      </p:sp>
-      <p:sp>
-        <p:nvSpPr>
-          <p:cNvPr id="104" name="Google Shape;104;p11:notes"/>
+          <p:cNvPr id="106" name="Google Shape;106;g2a48b65f59d_0_13:notes"/>
           <p:cNvSpPr/>
           <p:nvPr>
             <p:ph idx="2" type="sldImg"/>
@@ -950,7 +913,7 @@
         <p:spPr>
           <a:xfrm>
             <a:off x="1260175" y="801875"/>
-            <a:ext cx="5040025" cy="4009425"/>
+            <a:ext cx="5040000" cy="4009500"/>
           </a:xfrm>
           <a:custGeom>
             <a:rect b="b" l="l" r="r" t="t"/>
@@ -974,6 +937,45 @@
           </a:custGeom>
         </p:spPr>
       </p:sp>
+      <p:sp>
+        <p:nvSpPr>
+          <p:cNvPr id="107" name="Google Shape;107;g2a48b65f59d_0_13:notes"/>
+          <p:cNvSpPr txBox="1"/>
+          <p:nvPr>
+            <p:ph idx="1" type="body"/>
+          </p:nvPr>
+        </p:nvSpPr>
+        <p:spPr>
+          <a:xfrm>
+            <a:off x="755950" y="5078600"/>
+            <a:ext cx="6047700" cy="4811400"/>
+          </a:xfrm>
+          <a:prstGeom prst="rect">
+            <a:avLst/>
+          </a:prstGeom>
+        </p:spPr>
+        <p:txBody>
+          <a:bodyPr anchorCtr="0" anchor="t" bIns="91425" lIns="91425" spcFirstLastPara="1" rIns="91425" wrap="square" tIns="91425">
+            <a:noAutofit/>
+          </a:bodyPr>
+          <a:lstStyle/>
+          <a:p>
+            <a:pPr indent="0" lvl="0" marL="0" rtl="0" algn="l">
+              <a:spcBef>
+                <a:spcPts val="0"/>
+              </a:spcBef>
+              <a:spcAft>
+                <a:spcPts val="0"/>
+              </a:spcAft>
+              <a:buNone/>
+            </a:pPr>
+            <a:r>
+              <a:t/>
+            </a:r>
+            <a:endParaRPr/>
+          </a:p>
+        </p:txBody>
+      </p:sp>
     </p:spTree>
   </p:cSld>
   <p:clrMapOvr>
@@ -987,7 +989,7 @@
   <p:cSld>
     <p:spTree>
       <p:nvGrpSpPr>
-        <p:cNvPr id="109" name="Shape 109"/>
+        <p:cNvPr id="111" name="Shape 111"/>
         <p:cNvGrpSpPr/>
         <p:nvPr/>
       </p:nvGrpSpPr>
@@ -1001,7 +1003,7 @@
       </p:grpSpPr>
       <p:sp>
         <p:nvSpPr>
-          <p:cNvPr id="110" name="Google Shape;110;p12:notes"/>
+          <p:cNvPr id="112" name="Google Shape;112;p11:notes"/>
           <p:cNvSpPr txBox="1"/>
           <p:nvPr>
             <p:ph idx="1" type="body"/>
@@ -1040,7 +1042,7 @@
       </p:sp>
       <p:sp>
         <p:nvSpPr>
-          <p:cNvPr id="111" name="Google Shape;111;p12:notes"/>
+          <p:cNvPr id="113" name="Google Shape;113;p11:notes"/>
           <p:cNvSpPr/>
           <p:nvPr>
             <p:ph idx="2" type="sldImg"/>
@@ -1086,7 +1088,7 @@
   <p:cSld>
     <p:spTree>
       <p:nvGrpSpPr>
-        <p:cNvPr id="116" name="Shape 116"/>
+        <p:cNvPr id="118" name="Shape 118"/>
         <p:cNvGrpSpPr/>
         <p:nvPr/>
       </p:nvGrpSpPr>
@@ -1100,7 +1102,7 @@
       </p:grpSpPr>
       <p:sp>
         <p:nvSpPr>
-          <p:cNvPr id="117" name="Google Shape;117;p13:notes"/>
+          <p:cNvPr id="119" name="Google Shape;119;p12:notes"/>
           <p:cNvSpPr txBox="1"/>
           <p:nvPr>
             <p:ph idx="1" type="body"/>
@@ -1139,7 +1141,7 @@
       </p:sp>
       <p:sp>
         <p:nvSpPr>
-          <p:cNvPr id="118" name="Google Shape;118;p13:notes"/>
+          <p:cNvPr id="120" name="Google Shape;120;p12:notes"/>
           <p:cNvSpPr/>
           <p:nvPr>
             <p:ph idx="2" type="sldImg"/>
@@ -1185,7 +1187,7 @@
   <p:cSld>
     <p:spTree>
       <p:nvGrpSpPr>
-        <p:cNvPr id="124" name="Shape 124"/>
+        <p:cNvPr id="125" name="Shape 125"/>
         <p:cNvGrpSpPr/>
         <p:nvPr/>
       </p:nvGrpSpPr>
@@ -1199,7 +1201,106 @@
       </p:grpSpPr>
       <p:sp>
         <p:nvSpPr>
-          <p:cNvPr id="125" name="Google Shape;125;g31f70a81bbe_0_23:notes"/>
+          <p:cNvPr id="126" name="Google Shape;126;p13:notes"/>
+          <p:cNvSpPr txBox="1"/>
+          <p:nvPr>
+            <p:ph idx="1" type="body"/>
+          </p:nvPr>
+        </p:nvSpPr>
+        <p:spPr>
+          <a:xfrm>
+            <a:off x="755950" y="5078600"/>
+            <a:ext cx="6047725" cy="4811300"/>
+          </a:xfrm>
+          <a:prstGeom prst="rect">
+            <a:avLst/>
+          </a:prstGeom>
+        </p:spPr>
+        <p:txBody>
+          <a:bodyPr anchorCtr="0" anchor="t" bIns="91425" lIns="91425" spcFirstLastPara="1" rIns="91425" wrap="square" tIns="91425">
+            <a:noAutofit/>
+          </a:bodyPr>
+          <a:lstStyle/>
+          <a:p>
+            <a:pPr indent="0" lvl="0" marL="0" rtl="0" algn="l">
+              <a:spcBef>
+                <a:spcPts val="0"/>
+              </a:spcBef>
+              <a:spcAft>
+                <a:spcPts val="0"/>
+              </a:spcAft>
+              <a:buNone/>
+            </a:pPr>
+            <a:r>
+              <a:t/>
+            </a:r>
+            <a:endParaRPr/>
+          </a:p>
+        </p:txBody>
+      </p:sp>
+      <p:sp>
+        <p:nvSpPr>
+          <p:cNvPr id="127" name="Google Shape;127;p13:notes"/>
+          <p:cNvSpPr/>
+          <p:nvPr>
+            <p:ph idx="2" type="sldImg"/>
+          </p:nvPr>
+        </p:nvSpPr>
+        <p:spPr>
+          <a:xfrm>
+            <a:off x="1260175" y="801875"/>
+            <a:ext cx="5040025" cy="4009425"/>
+          </a:xfrm>
+          <a:custGeom>
+            <a:rect b="b" l="l" r="r" t="t"/>
+            <a:pathLst>
+              <a:path extrusionOk="0" h="120000" w="120000">
+                <a:moveTo>
+                  <a:pt x="0" y="0"/>
+                </a:moveTo>
+                <a:lnTo>
+                  <a:pt x="120000" y="0"/>
+                </a:lnTo>
+                <a:lnTo>
+                  <a:pt x="120000" y="120000"/>
+                </a:lnTo>
+                <a:lnTo>
+                  <a:pt x="0" y="120000"/>
+                </a:lnTo>
+                <a:close/>
+              </a:path>
+            </a:pathLst>
+          </a:custGeom>
+        </p:spPr>
+      </p:sp>
+    </p:spTree>
+  </p:cSld>
+  <p:clrMapOvr>
+    <a:masterClrMapping/>
+  </p:clrMapOvr>
+</p:notes>
+</file>
+
+<file path=ppt/notesSlides/notesSlide15.xml><?xml version="1.0" encoding="utf-8"?>
+<p:notes xmlns:a="http://schemas.openxmlformats.org/drawingml/2006/main" xmlns:r="http://schemas.openxmlformats.org/officeDocument/2006/relationships" xmlns:mc="http://schemas.openxmlformats.org/markup-compatibility/2006" xmlns:mv="urn:schemas-microsoft-com:mac:vml" xmlns:p="http://schemas.openxmlformats.org/presentationml/2006/main" xmlns:c="http://schemas.openxmlformats.org/drawingml/2006/chart" xmlns:dgm="http://schemas.openxmlformats.org/drawingml/2006/diagram" xmlns:o="urn:schemas-microsoft-com:office:office" xmlns:v="urn:schemas-microsoft-com:vml" xmlns:pvml="urn:schemas-microsoft-com:office:powerpoint" xmlns:com="http://schemas.openxmlformats.org/drawingml/2006/compatibility" xmlns:p14="http://schemas.microsoft.com/office/powerpoint/2010/main" xmlns:p15="http://schemas.microsoft.com/office/powerpoint/2012/main" xmlns:ahyp="http://schemas.microsoft.com/office/drawing/2018/hyperlinkcolor" showMasterPhAnim="0" showMasterSp="0">
+  <p:cSld>
+    <p:spTree>
+      <p:nvGrpSpPr>
+        <p:cNvPr id="133" name="Shape 133"/>
+        <p:cNvGrpSpPr/>
+        <p:nvPr/>
+      </p:nvGrpSpPr>
+      <p:grpSpPr>
+        <a:xfrm>
+          <a:off x="0" y="0"/>
+          <a:ext cx="0" cy="0"/>
+          <a:chOff x="0" y="0"/>
+          <a:chExt cx="0" cy="0"/>
+        </a:xfrm>
+      </p:grpSpPr>
+      <p:sp>
+        <p:nvSpPr>
+          <p:cNvPr id="134" name="Google Shape;134;g31f70a81bbe_0_23:notes"/>
           <p:cNvSpPr txBox="1"/>
           <p:nvPr>
             <p:ph idx="1" type="body"/>
@@ -1238,7 +1339,7 @@
       </p:sp>
       <p:sp>
         <p:nvSpPr>
-          <p:cNvPr id="126" name="Google Shape;126;g31f70a81bbe_0_23:notes"/>
+          <p:cNvPr id="135" name="Google Shape;135;g31f70a81bbe_0_23:notes"/>
           <p:cNvSpPr/>
           <p:nvPr>
             <p:ph idx="2" type="sldImg"/>
@@ -1279,12 +1380,12 @@
 </p:notes>
 </file>
 
-<file path=ppt/notesSlides/notesSlide15.xml><?xml version="1.0" encoding="utf-8"?>
+<file path=ppt/notesSlides/notesSlide16.xml><?xml version="1.0" encoding="utf-8"?>
 <p:notes xmlns:a="http://schemas.openxmlformats.org/drawingml/2006/main" xmlns:r="http://schemas.openxmlformats.org/officeDocument/2006/relationships" xmlns:mc="http://schemas.openxmlformats.org/markup-compatibility/2006" xmlns:mv="urn:schemas-microsoft-com:mac:vml" xmlns:p="http://schemas.openxmlformats.org/presentationml/2006/main" xmlns:c="http://schemas.openxmlformats.org/drawingml/2006/chart" xmlns:dgm="http://schemas.openxmlformats.org/drawingml/2006/diagram" xmlns:o="urn:schemas-microsoft-com:office:office" xmlns:v="urn:schemas-microsoft-com:vml" xmlns:pvml="urn:schemas-microsoft-com:office:powerpoint" xmlns:com="http://schemas.openxmlformats.org/drawingml/2006/compatibility" xmlns:p14="http://schemas.microsoft.com/office/powerpoint/2010/main" xmlns:p15="http://schemas.microsoft.com/office/powerpoint/2012/main" xmlns:ahyp="http://schemas.microsoft.com/office/drawing/2018/hyperlinkcolor" showMasterPhAnim="0" showMasterSp="0">
   <p:cSld>
     <p:spTree>
       <p:nvGrpSpPr>
-        <p:cNvPr id="132" name="Shape 132"/>
+        <p:cNvPr id="141" name="Shape 141"/>
         <p:cNvGrpSpPr/>
         <p:nvPr/>
       </p:nvGrpSpPr>
@@ -1298,7 +1399,106 @@
       </p:grpSpPr>
       <p:sp>
         <p:nvSpPr>
-          <p:cNvPr id="133" name="Google Shape;133;p14:notes"/>
+          <p:cNvPr id="142" name="Google Shape;142;g2a48b65f59d_0_30:notes"/>
+          <p:cNvSpPr txBox="1"/>
+          <p:nvPr>
+            <p:ph idx="1" type="body"/>
+          </p:nvPr>
+        </p:nvSpPr>
+        <p:spPr>
+          <a:xfrm>
+            <a:off x="755950" y="5078600"/>
+            <a:ext cx="6047700" cy="4811400"/>
+          </a:xfrm>
+          <a:prstGeom prst="rect">
+            <a:avLst/>
+          </a:prstGeom>
+        </p:spPr>
+        <p:txBody>
+          <a:bodyPr anchorCtr="0" anchor="t" bIns="91425" lIns="91425" spcFirstLastPara="1" rIns="91425" wrap="square" tIns="91425">
+            <a:noAutofit/>
+          </a:bodyPr>
+          <a:lstStyle/>
+          <a:p>
+            <a:pPr indent="0" lvl="0" marL="0" rtl="0" algn="l">
+              <a:spcBef>
+                <a:spcPts val="0"/>
+              </a:spcBef>
+              <a:spcAft>
+                <a:spcPts val="0"/>
+              </a:spcAft>
+              <a:buNone/>
+            </a:pPr>
+            <a:r>
+              <a:t/>
+            </a:r>
+            <a:endParaRPr/>
+          </a:p>
+        </p:txBody>
+      </p:sp>
+      <p:sp>
+        <p:nvSpPr>
+          <p:cNvPr id="143" name="Google Shape;143;g2a48b65f59d_0_30:notes"/>
+          <p:cNvSpPr/>
+          <p:nvPr>
+            <p:ph idx="2" type="sldImg"/>
+          </p:nvPr>
+        </p:nvSpPr>
+        <p:spPr>
+          <a:xfrm>
+            <a:off x="1260175" y="801875"/>
+            <a:ext cx="5040000" cy="4009500"/>
+          </a:xfrm>
+          <a:custGeom>
+            <a:rect b="b" l="l" r="r" t="t"/>
+            <a:pathLst>
+              <a:path extrusionOk="0" h="120000" w="120000">
+                <a:moveTo>
+                  <a:pt x="0" y="0"/>
+                </a:moveTo>
+                <a:lnTo>
+                  <a:pt x="120000" y="0"/>
+                </a:lnTo>
+                <a:lnTo>
+                  <a:pt x="120000" y="120000"/>
+                </a:lnTo>
+                <a:lnTo>
+                  <a:pt x="0" y="120000"/>
+                </a:lnTo>
+                <a:close/>
+              </a:path>
+            </a:pathLst>
+          </a:custGeom>
+        </p:spPr>
+      </p:sp>
+    </p:spTree>
+  </p:cSld>
+  <p:clrMapOvr>
+    <a:masterClrMapping/>
+  </p:clrMapOvr>
+</p:notes>
+</file>
+
+<file path=ppt/notesSlides/notesSlide17.xml><?xml version="1.0" encoding="utf-8"?>
+<p:notes xmlns:a="http://schemas.openxmlformats.org/drawingml/2006/main" xmlns:r="http://schemas.openxmlformats.org/officeDocument/2006/relationships" xmlns:mc="http://schemas.openxmlformats.org/markup-compatibility/2006" xmlns:mv="urn:schemas-microsoft-com:mac:vml" xmlns:p="http://schemas.openxmlformats.org/presentationml/2006/main" xmlns:c="http://schemas.openxmlformats.org/drawingml/2006/chart" xmlns:dgm="http://schemas.openxmlformats.org/drawingml/2006/diagram" xmlns:o="urn:schemas-microsoft-com:office:office" xmlns:v="urn:schemas-microsoft-com:vml" xmlns:pvml="urn:schemas-microsoft-com:office:powerpoint" xmlns:com="http://schemas.openxmlformats.org/drawingml/2006/compatibility" xmlns:p14="http://schemas.microsoft.com/office/powerpoint/2010/main" xmlns:p15="http://schemas.microsoft.com/office/powerpoint/2012/main" xmlns:ahyp="http://schemas.microsoft.com/office/drawing/2018/hyperlinkcolor" showMasterPhAnim="0" showMasterSp="0">
+  <p:cSld>
+    <p:spTree>
+      <p:nvGrpSpPr>
+        <p:cNvPr id="149" name="Shape 149"/>
+        <p:cNvGrpSpPr/>
+        <p:nvPr/>
+      </p:nvGrpSpPr>
+      <p:grpSpPr>
+        <a:xfrm>
+          <a:off x="0" y="0"/>
+          <a:ext cx="0" cy="0"/>
+          <a:chOff x="0" y="0"/>
+          <a:chExt cx="0" cy="0"/>
+        </a:xfrm>
+      </p:grpSpPr>
+      <p:sp>
+        <p:nvSpPr>
+          <p:cNvPr id="150" name="Google Shape;150;p14:notes"/>
           <p:cNvSpPr txBox="1"/>
           <p:nvPr>
             <p:ph idx="1" type="body"/>
@@ -1337,7 +1537,7 @@
       </p:sp>
       <p:sp>
         <p:nvSpPr>
-          <p:cNvPr id="134" name="Google Shape;134;p14:notes"/>
+          <p:cNvPr id="151" name="Google Shape;151;p14:notes"/>
           <p:cNvSpPr/>
           <p:nvPr>
             <p:ph idx="2" type="sldImg"/>
@@ -1595,46 +1795,7 @@
       </p:grpSpPr>
       <p:sp>
         <p:nvSpPr>
-          <p:cNvPr id="52" name="Google Shape;52;p4:notes"/>
-          <p:cNvSpPr txBox="1"/>
-          <p:nvPr>
-            <p:ph idx="1" type="body"/>
-          </p:nvPr>
-        </p:nvSpPr>
-        <p:spPr>
-          <a:xfrm>
-            <a:off x="755950" y="5078600"/>
-            <a:ext cx="6047725" cy="4811300"/>
-          </a:xfrm>
-          <a:prstGeom prst="rect">
-            <a:avLst/>
-          </a:prstGeom>
-        </p:spPr>
-        <p:txBody>
-          <a:bodyPr anchorCtr="0" anchor="t" bIns="91425" lIns="91425" spcFirstLastPara="1" rIns="91425" wrap="square" tIns="91425">
-            <a:noAutofit/>
-          </a:bodyPr>
-          <a:lstStyle/>
-          <a:p>
-            <a:pPr indent="0" lvl="0" marL="0" rtl="0" algn="l">
-              <a:spcBef>
-                <a:spcPts val="0"/>
-              </a:spcBef>
-              <a:spcAft>
-                <a:spcPts val="0"/>
-              </a:spcAft>
-              <a:buNone/>
-            </a:pPr>
-            <a:r>
-              <a:t/>
-            </a:r>
-            <a:endParaRPr/>
-          </a:p>
-        </p:txBody>
-      </p:sp>
-      <p:sp>
-        <p:nvSpPr>
-          <p:cNvPr id="53" name="Google Shape;53;p4:notes"/>
+          <p:cNvPr id="52" name="Google Shape;52;g2a48b65f59d_0_2:notes"/>
           <p:cNvSpPr/>
           <p:nvPr>
             <p:ph idx="2" type="sldImg"/>
@@ -1643,7 +1804,7 @@
         <p:spPr>
           <a:xfrm>
             <a:off x="1260175" y="801875"/>
-            <a:ext cx="5040025" cy="4009425"/>
+            <a:ext cx="5040000" cy="4009500"/>
           </a:xfrm>
           <a:custGeom>
             <a:rect b="b" l="l" r="r" t="t"/>
@@ -1667,6 +1828,45 @@
           </a:custGeom>
         </p:spPr>
       </p:sp>
+      <p:sp>
+        <p:nvSpPr>
+          <p:cNvPr id="53" name="Google Shape;53;g2a48b65f59d_0_2:notes"/>
+          <p:cNvSpPr txBox="1"/>
+          <p:nvPr>
+            <p:ph idx="1" type="body"/>
+          </p:nvPr>
+        </p:nvSpPr>
+        <p:spPr>
+          <a:xfrm>
+            <a:off x="755950" y="5078600"/>
+            <a:ext cx="6047700" cy="4811400"/>
+          </a:xfrm>
+          <a:prstGeom prst="rect">
+            <a:avLst/>
+          </a:prstGeom>
+        </p:spPr>
+        <p:txBody>
+          <a:bodyPr anchorCtr="0" anchor="t" bIns="91425" lIns="91425" spcFirstLastPara="1" rIns="91425" wrap="square" tIns="91425">
+            <a:noAutofit/>
+          </a:bodyPr>
+          <a:lstStyle/>
+          <a:p>
+            <a:pPr indent="0" lvl="0" marL="0" rtl="0" algn="l">
+              <a:spcBef>
+                <a:spcPts val="0"/>
+              </a:spcBef>
+              <a:spcAft>
+                <a:spcPts val="0"/>
+              </a:spcAft>
+              <a:buNone/>
+            </a:pPr>
+            <a:r>
+              <a:t/>
+            </a:r>
+            <a:endParaRPr/>
+          </a:p>
+        </p:txBody>
+      </p:sp>
     </p:spTree>
   </p:cSld>
   <p:clrMapOvr>
@@ -1680,7 +1880,7 @@
   <p:cSld>
     <p:spTree>
       <p:nvGrpSpPr>
-        <p:cNvPr id="60" name="Shape 60"/>
+        <p:cNvPr id="58" name="Shape 58"/>
         <p:cNvGrpSpPr/>
         <p:nvPr/>
       </p:nvGrpSpPr>
@@ -1694,7 +1894,7 @@
       </p:grpSpPr>
       <p:sp>
         <p:nvSpPr>
-          <p:cNvPr id="61" name="Google Shape;61;p5:notes"/>
+          <p:cNvPr id="59" name="Google Shape;59;p4:notes"/>
           <p:cNvSpPr txBox="1"/>
           <p:nvPr>
             <p:ph idx="1" type="body"/>
@@ -1733,7 +1933,7 @@
       </p:sp>
       <p:sp>
         <p:nvSpPr>
-          <p:cNvPr id="62" name="Google Shape;62;p5:notes"/>
+          <p:cNvPr id="60" name="Google Shape;60;p4:notes"/>
           <p:cNvSpPr/>
           <p:nvPr>
             <p:ph idx="2" type="sldImg"/>
@@ -1793,7 +1993,7 @@
       </p:grpSpPr>
       <p:sp>
         <p:nvSpPr>
-          <p:cNvPr id="68" name="Google Shape;68;p6:notes"/>
+          <p:cNvPr id="68" name="Google Shape;68;p5:notes"/>
           <p:cNvSpPr txBox="1"/>
           <p:nvPr>
             <p:ph idx="1" type="body"/>
@@ -1832,7 +2032,7 @@
       </p:sp>
       <p:sp>
         <p:nvSpPr>
-          <p:cNvPr id="69" name="Google Shape;69;p6:notes"/>
+          <p:cNvPr id="69" name="Google Shape;69;p5:notes"/>
           <p:cNvSpPr/>
           <p:nvPr>
             <p:ph idx="2" type="sldImg"/>
@@ -1892,46 +2092,7 @@
       </p:grpSpPr>
       <p:sp>
         <p:nvSpPr>
-          <p:cNvPr id="75" name="Google Shape;75;p7:notes"/>
-          <p:cNvSpPr txBox="1"/>
-          <p:nvPr>
-            <p:ph idx="1" type="body"/>
-          </p:nvPr>
-        </p:nvSpPr>
-        <p:spPr>
-          <a:xfrm>
-            <a:off x="755950" y="5078600"/>
-            <a:ext cx="6047725" cy="4811300"/>
-          </a:xfrm>
-          <a:prstGeom prst="rect">
-            <a:avLst/>
-          </a:prstGeom>
-        </p:spPr>
-        <p:txBody>
-          <a:bodyPr anchorCtr="0" anchor="t" bIns="91425" lIns="91425" spcFirstLastPara="1" rIns="91425" wrap="square" tIns="91425">
-            <a:noAutofit/>
-          </a:bodyPr>
-          <a:lstStyle/>
-          <a:p>
-            <a:pPr indent="0" lvl="0" marL="0" rtl="0" algn="l">
-              <a:spcBef>
-                <a:spcPts val="0"/>
-              </a:spcBef>
-              <a:spcAft>
-                <a:spcPts val="0"/>
-              </a:spcAft>
-              <a:buNone/>
-            </a:pPr>
-            <a:r>
-              <a:t/>
-            </a:r>
-            <a:endParaRPr/>
-          </a:p>
-        </p:txBody>
-      </p:sp>
-      <p:sp>
-        <p:nvSpPr>
-          <p:cNvPr id="76" name="Google Shape;76;p7:notes"/>
+          <p:cNvPr id="75" name="Google Shape;75;g2a49f9c2dfa_1_0:notes"/>
           <p:cNvSpPr/>
           <p:nvPr>
             <p:ph idx="2" type="sldImg"/>
@@ -1940,7 +2101,7 @@
         <p:spPr>
           <a:xfrm>
             <a:off x="1260175" y="801875"/>
-            <a:ext cx="5040025" cy="4009425"/>
+            <a:ext cx="5040000" cy="4009500"/>
           </a:xfrm>
           <a:custGeom>
             <a:rect b="b" l="l" r="r" t="t"/>
@@ -1964,6 +2125,45 @@
           </a:custGeom>
         </p:spPr>
       </p:sp>
+      <p:sp>
+        <p:nvSpPr>
+          <p:cNvPr id="76" name="Google Shape;76;g2a49f9c2dfa_1_0:notes"/>
+          <p:cNvSpPr txBox="1"/>
+          <p:nvPr>
+            <p:ph idx="1" type="body"/>
+          </p:nvPr>
+        </p:nvSpPr>
+        <p:spPr>
+          <a:xfrm>
+            <a:off x="755950" y="5078600"/>
+            <a:ext cx="6047700" cy="4811400"/>
+          </a:xfrm>
+          <a:prstGeom prst="rect">
+            <a:avLst/>
+          </a:prstGeom>
+        </p:spPr>
+        <p:txBody>
+          <a:bodyPr anchorCtr="0" anchor="t" bIns="91425" lIns="91425" spcFirstLastPara="1" rIns="91425" wrap="square" tIns="91425">
+            <a:noAutofit/>
+          </a:bodyPr>
+          <a:lstStyle/>
+          <a:p>
+            <a:pPr indent="0" lvl="0" marL="0" rtl="0" algn="l">
+              <a:spcBef>
+                <a:spcPts val="0"/>
+              </a:spcBef>
+              <a:spcAft>
+                <a:spcPts val="0"/>
+              </a:spcAft>
+              <a:buNone/>
+            </a:pPr>
+            <a:r>
+              <a:t/>
+            </a:r>
+            <a:endParaRPr/>
+          </a:p>
+        </p:txBody>
+      </p:sp>
     </p:spTree>
   </p:cSld>
   <p:clrMapOvr>
@@ -1977,7 +2177,7 @@
   <p:cSld>
     <p:spTree>
       <p:nvGrpSpPr>
-        <p:cNvPr id="81" name="Shape 81"/>
+        <p:cNvPr id="84" name="Shape 84"/>
         <p:cNvGrpSpPr/>
         <p:nvPr/>
       </p:nvGrpSpPr>
@@ -1991,7 +2191,7 @@
       </p:grpSpPr>
       <p:sp>
         <p:nvSpPr>
-          <p:cNvPr id="82" name="Google Shape;82;p8:notes"/>
+          <p:cNvPr id="85" name="Google Shape;85;p7:notes"/>
           <p:cNvSpPr txBox="1"/>
           <p:nvPr>
             <p:ph idx="1" type="body"/>
@@ -2030,7 +2230,7 @@
       </p:sp>
       <p:sp>
         <p:nvSpPr>
-          <p:cNvPr id="83" name="Google Shape;83;p8:notes"/>
+          <p:cNvPr id="86" name="Google Shape;86;p7:notes"/>
           <p:cNvSpPr/>
           <p:nvPr>
             <p:ph idx="2" type="sldImg"/>
@@ -2076,7 +2276,7 @@
   <p:cSld>
     <p:spTree>
       <p:nvGrpSpPr>
-        <p:cNvPr id="88" name="Shape 88"/>
+        <p:cNvPr id="91" name="Shape 91"/>
         <p:cNvGrpSpPr/>
         <p:nvPr/>
       </p:nvGrpSpPr>
@@ -2090,7 +2290,7 @@
       </p:grpSpPr>
       <p:sp>
         <p:nvSpPr>
-          <p:cNvPr id="89" name="Google Shape;89;p9:notes"/>
+          <p:cNvPr id="92" name="Google Shape;92;p8:notes"/>
           <p:cNvSpPr txBox="1"/>
           <p:nvPr>
             <p:ph idx="1" type="body"/>
@@ -2129,7 +2329,7 @@
       </p:sp>
       <p:sp>
         <p:nvSpPr>
-          <p:cNvPr id="90" name="Google Shape;90;p9:notes"/>
+          <p:cNvPr id="93" name="Google Shape;93;p8:notes"/>
           <p:cNvSpPr/>
           <p:nvPr>
             <p:ph idx="2" type="sldImg"/>
@@ -7363,7 +7563,7 @@
   <p:cSld>
     <p:spTree>
       <p:nvGrpSpPr>
-        <p:cNvPr id="98" name="Shape 98"/>
+        <p:cNvPr id="101" name="Shape 101"/>
         <p:cNvGrpSpPr/>
         <p:nvPr/>
       </p:nvGrpSpPr>
@@ -7377,7 +7577,7 @@
       </p:grpSpPr>
       <p:sp>
         <p:nvSpPr>
-          <p:cNvPr id="99" name="Google Shape;99;p14"/>
+          <p:cNvPr id="102" name="Google Shape;102;p14"/>
           <p:cNvSpPr txBox="1"/>
           <p:nvPr>
             <p:ph type="title"/>
@@ -7385,8 +7585,8 @@
         </p:nvSpPr>
         <p:spPr>
           <a:xfrm>
-            <a:off x="-3088080" y="-273600"/>
-            <a:ext cx="10515240" cy="1325160"/>
+            <a:off x="0" y="-290880"/>
+            <a:ext cx="12198960" cy="1325160"/>
           </a:xfrm>
           <a:prstGeom prst="rect">
             <a:avLst/>
@@ -7402,7 +7602,7 @@
           </a:bodyPr>
           <a:lstStyle/>
           <a:p>
-            <a:pPr indent="0" lvl="0" marL="0" rtl="0" algn="ctr">
+            <a:pPr indent="0" lvl="0" marL="0" rtl="0" algn="l">
               <a:lnSpc>
                 <a:spcPct val="90000"/>
               </a:lnSpc>
@@ -7420,7 +7620,7 @@
               <a:buNone/>
             </a:pPr>
             <a:r>
-              <a:rPr b="0" lang="ru-RU" sz="3600" strike="noStrike">
+              <a:rPr b="0" lang="ru-RU" sz="3300" strike="noStrike">
                 <a:solidFill>
                   <a:schemeClr val="dk1"/>
                 </a:solidFill>
@@ -7429,9 +7629,21 @@
                 <a:cs typeface="Times New Roman"/>
                 <a:sym typeface="Times New Roman"/>
               </a:rPr>
-              <a:t>Диаграмма классов</a:t>
+              <a:t>Алгоритм </a:t>
             </a:r>
-            <a:endParaRPr b="0" sz="3600" strike="noStrike">
+            <a:r>
+              <a:rPr lang="ru-RU" sz="3300">
+                <a:solidFill>
+                  <a:schemeClr val="dk1"/>
+                </a:solidFill>
+                <a:latin typeface="Times New Roman"/>
+                <a:ea typeface="Times New Roman"/>
+                <a:cs typeface="Times New Roman"/>
+                <a:sym typeface="Times New Roman"/>
+              </a:rPr>
+              <a:t>генерации сцены методом коллапса волновой функции</a:t>
+            </a:r>
+            <a:endParaRPr b="0" sz="3300" strike="noStrike">
               <a:solidFill>
                 <a:schemeClr val="dk1"/>
               </a:solidFill>
@@ -7445,7 +7657,7 @@
       </p:sp>
       <p:sp>
         <p:nvSpPr>
-          <p:cNvPr id="100" name="Google Shape;100;p14"/>
+          <p:cNvPr id="103" name="Google Shape;103;p14"/>
           <p:cNvSpPr txBox="1"/>
           <p:nvPr>
             <p:ph idx="12" type="sldNum"/>
@@ -7453,7 +7665,7 @@
         </p:nvSpPr>
         <p:spPr>
           <a:xfrm>
-            <a:off x="9271080" y="6434640"/>
+            <a:off x="9158400" y="6395040"/>
             <a:ext cx="2742840" cy="364680"/>
           </a:xfrm>
           <a:prstGeom prst="rect">
@@ -7513,7 +7725,7 @@
       </p:sp>
       <p:pic>
         <p:nvPicPr>
-          <p:cNvPr id="101" name="Google Shape;101;p14"/>
+          <p:cNvPr id="104" name="Google Shape;104;p14"/>
           <p:cNvPicPr preferRelativeResize="0"/>
           <p:nvPr/>
         </p:nvPicPr>
@@ -7527,8 +7739,8 @@
         </p:blipFill>
         <p:spPr>
           <a:xfrm>
-            <a:off x="3231900" y="1051560"/>
-            <a:ext cx="5728195" cy="5501640"/>
+            <a:off x="4461613" y="999955"/>
+            <a:ext cx="3268774" cy="5518920"/>
           </a:xfrm>
           <a:prstGeom prst="rect">
             <a:avLst/>
@@ -7552,7 +7764,7 @@
   <p:cSld>
     <p:spTree>
       <p:nvGrpSpPr>
-        <p:cNvPr id="105" name="Shape 105"/>
+        <p:cNvPr id="108" name="Shape 108"/>
         <p:cNvGrpSpPr/>
         <p:nvPr/>
       </p:nvGrpSpPr>
@@ -7566,7 +7778,110 @@
       </p:grpSpPr>
       <p:sp>
         <p:nvSpPr>
-          <p:cNvPr id="106" name="Google Shape;106;p15"/>
+          <p:cNvPr id="109" name="Google Shape;109;p15"/>
+          <p:cNvSpPr txBox="1"/>
+          <p:nvPr>
+            <p:ph type="title"/>
+          </p:nvPr>
+        </p:nvSpPr>
+        <p:spPr>
+          <a:xfrm>
+            <a:off x="838080" y="365040"/>
+            <a:ext cx="10515300" cy="1325100"/>
+          </a:xfrm>
+          <a:prstGeom prst="rect">
+            <a:avLst/>
+          </a:prstGeom>
+        </p:spPr>
+        <p:txBody>
+          <a:bodyPr anchorCtr="0" anchor="ctr" bIns="0" lIns="0" spcFirstLastPara="1" rIns="0" wrap="square" tIns="0">
+            <a:noAutofit/>
+          </a:bodyPr>
+          <a:lstStyle/>
+          <a:p>
+            <a:pPr indent="0" lvl="0" marL="0" rtl="0" algn="l">
+              <a:spcBef>
+                <a:spcPts val="0"/>
+              </a:spcBef>
+              <a:spcAft>
+                <a:spcPts val="0"/>
+              </a:spcAft>
+              <a:buNone/>
+            </a:pPr>
+            <a:r>
+              <a:rPr lang="ru-RU" sz="3600">
+                <a:latin typeface="Times New Roman"/>
+                <a:ea typeface="Times New Roman"/>
+                <a:cs typeface="Times New Roman"/>
+                <a:sym typeface="Times New Roman"/>
+              </a:rPr>
+              <a:t>Алгоритм растеризации многоугольника для заполнения карты теней</a:t>
+            </a:r>
+            <a:endParaRPr sz="3600">
+              <a:latin typeface="Times New Roman"/>
+              <a:ea typeface="Times New Roman"/>
+              <a:cs typeface="Times New Roman"/>
+              <a:sym typeface="Times New Roman"/>
+            </a:endParaRPr>
+          </a:p>
+        </p:txBody>
+      </p:sp>
+      <p:pic>
+        <p:nvPicPr>
+          <p:cNvPr id="110" name="Google Shape;110;p15"/>
+          <p:cNvPicPr preferRelativeResize="0"/>
+          <p:nvPr/>
+        </p:nvPicPr>
+        <p:blipFill>
+          <a:blip r:embed="rId3">
+            <a:alphaModFix/>
+          </a:blip>
+          <a:stretch>
+            <a:fillRect/>
+          </a:stretch>
+        </p:blipFill>
+        <p:spPr>
+          <a:xfrm>
+            <a:off x="2918488" y="1690140"/>
+            <a:ext cx="6355030" cy="4863061"/>
+          </a:xfrm>
+          <a:prstGeom prst="rect">
+            <a:avLst/>
+          </a:prstGeom>
+          <a:noFill/>
+          <a:ln>
+            <a:noFill/>
+          </a:ln>
+        </p:spPr>
+      </p:pic>
+    </p:spTree>
+  </p:cSld>
+  <p:clrMapOvr>
+    <a:masterClrMapping/>
+  </p:clrMapOvr>
+</p:sld>
+</file>
+
+<file path=ppt/slides/slide12.xml><?xml version="1.0" encoding="utf-8"?>
+<p:sld xmlns:a="http://schemas.openxmlformats.org/drawingml/2006/main" xmlns:r="http://schemas.openxmlformats.org/officeDocument/2006/relationships" xmlns:mc="http://schemas.openxmlformats.org/markup-compatibility/2006" xmlns:mv="urn:schemas-microsoft-com:mac:vml" xmlns:p="http://schemas.openxmlformats.org/presentationml/2006/main" xmlns:c="http://schemas.openxmlformats.org/drawingml/2006/chart" xmlns:dgm="http://schemas.openxmlformats.org/drawingml/2006/diagram" xmlns:o="urn:schemas-microsoft-com:office:office" xmlns:v="urn:schemas-microsoft-com:vml" xmlns:pvml="urn:schemas-microsoft-com:office:powerpoint" xmlns:com="http://schemas.openxmlformats.org/drawingml/2006/compatibility" xmlns:p14="http://schemas.microsoft.com/office/powerpoint/2010/main" xmlns:p15="http://schemas.microsoft.com/office/powerpoint/2012/main" xmlns:ahyp="http://schemas.microsoft.com/office/drawing/2018/hyperlinkcolor">
+  <p:cSld>
+    <p:spTree>
+      <p:nvGrpSpPr>
+        <p:cNvPr id="114" name="Shape 114"/>
+        <p:cNvGrpSpPr/>
+        <p:nvPr/>
+      </p:nvGrpSpPr>
+      <p:grpSpPr>
+        <a:xfrm>
+          <a:off x="0" y="0"/>
+          <a:ext cx="0" cy="0"/>
+          <a:chOff x="0" y="0"/>
+          <a:chExt cx="0" cy="0"/>
+        </a:xfrm>
+      </p:grpSpPr>
+      <p:sp>
+        <p:nvSpPr>
+          <p:cNvPr id="115" name="Google Shape;115;p16"/>
           <p:cNvSpPr txBox="1"/>
           <p:nvPr>
             <p:ph type="title"/>
@@ -7634,7 +7949,7 @@
       </p:sp>
       <p:sp>
         <p:nvSpPr>
-          <p:cNvPr id="107" name="Google Shape;107;p15"/>
+          <p:cNvPr id="116" name="Google Shape;116;p16"/>
           <p:cNvSpPr txBox="1"/>
           <p:nvPr>
             <p:ph idx="1" type="body"/>
@@ -7642,8 +7957,8 @@
         </p:nvSpPr>
         <p:spPr>
           <a:xfrm>
-            <a:off x="750960" y="2609280"/>
-            <a:ext cx="10515240" cy="4350960"/>
+            <a:off x="733985" y="1896330"/>
+            <a:ext cx="10515300" cy="4350900"/>
           </a:xfrm>
           <a:prstGeom prst="rect">
             <a:avLst/>
@@ -7752,21 +8067,101 @@
               </a:rPr>
               <a:t>Code</a:t>
             </a:r>
-            <a:endParaRPr b="0" i="0" sz="2400" u="none" cap="none" strike="noStrike">
+            <a:endParaRPr sz="2400">
               <a:solidFill>
                 <a:schemeClr val="dk1"/>
               </a:solidFill>
-              <a:latin typeface="Arial"/>
-              <a:ea typeface="Arial"/>
-              <a:cs typeface="Arial"/>
-              <a:sym typeface="Arial"/>
+              <a:latin typeface="Times New Roman"/>
+              <a:ea typeface="Times New Roman"/>
+              <a:cs typeface="Times New Roman"/>
+              <a:sym typeface="Times New Roman"/>
+            </a:endParaRPr>
+          </a:p>
+          <a:p>
+            <a:pPr indent="-228600" lvl="0" marL="228600" marR="0" rtl="0" algn="l">
+              <a:lnSpc>
+                <a:spcPct val="90000"/>
+              </a:lnSpc>
+              <a:spcBef>
+                <a:spcPts val="1001"/>
+              </a:spcBef>
+              <a:spcAft>
+                <a:spcPts val="0"/>
+              </a:spcAft>
+              <a:buClr>
+                <a:schemeClr val="dk1"/>
+              </a:buClr>
+              <a:buSzPts val="2400"/>
+              <a:buFont typeface="Times New Roman"/>
+              <a:buChar char="•"/>
+            </a:pPr>
+            <a:r>
+              <a:rPr lang="ru-RU" sz="2400">
+                <a:solidFill>
+                  <a:schemeClr val="dk1"/>
+                </a:solidFill>
+                <a:latin typeface="Times New Roman"/>
+                <a:ea typeface="Times New Roman"/>
+                <a:cs typeface="Times New Roman"/>
+                <a:sym typeface="Times New Roman"/>
+              </a:rPr>
+              <a:t>Библиотека Qt6</a:t>
+            </a:r>
+            <a:endParaRPr sz="2400">
+              <a:solidFill>
+                <a:schemeClr val="dk1"/>
+              </a:solidFill>
+              <a:latin typeface="Times New Roman"/>
+              <a:ea typeface="Times New Roman"/>
+              <a:cs typeface="Times New Roman"/>
+              <a:sym typeface="Times New Roman"/>
+            </a:endParaRPr>
+          </a:p>
+          <a:p>
+            <a:pPr indent="-228600" lvl="0" marL="228600" marR="0" rtl="0" algn="l">
+              <a:lnSpc>
+                <a:spcPct val="90000"/>
+              </a:lnSpc>
+              <a:spcBef>
+                <a:spcPts val="1001"/>
+              </a:spcBef>
+              <a:spcAft>
+                <a:spcPts val="0"/>
+              </a:spcAft>
+              <a:buClr>
+                <a:schemeClr val="dk1"/>
+              </a:buClr>
+              <a:buSzPts val="2400"/>
+              <a:buFont typeface="Times New Roman"/>
+              <a:buChar char="•"/>
+            </a:pPr>
+            <a:r>
+              <a:rPr lang="ru-RU" sz="2400">
+                <a:solidFill>
+                  <a:schemeClr val="dk1"/>
+                </a:solidFill>
+                <a:latin typeface="Times New Roman"/>
+                <a:ea typeface="Times New Roman"/>
+                <a:cs typeface="Times New Roman"/>
+                <a:sym typeface="Times New Roman"/>
+              </a:rPr>
+              <a:t>Библиотека Oneapi TBB</a:t>
+            </a:r>
+            <a:endParaRPr sz="2400">
+              <a:solidFill>
+                <a:schemeClr val="dk1"/>
+              </a:solidFill>
+              <a:latin typeface="Times New Roman"/>
+              <a:ea typeface="Times New Roman"/>
+              <a:cs typeface="Times New Roman"/>
+              <a:sym typeface="Times New Roman"/>
             </a:endParaRPr>
           </a:p>
         </p:txBody>
       </p:sp>
       <p:sp>
         <p:nvSpPr>
-          <p:cNvPr id="108" name="Google Shape;108;p15"/>
+          <p:cNvPr id="117" name="Google Shape;117;p16"/>
           <p:cNvSpPr txBox="1"/>
           <p:nvPr>
             <p:ph idx="12" type="sldNum"/>
@@ -7840,12 +8235,12 @@
 </p:sld>
 </file>
 
-<file path=ppt/slides/slide12.xml><?xml version="1.0" encoding="utf-8"?>
+<file path=ppt/slides/slide13.xml><?xml version="1.0" encoding="utf-8"?>
 <p:sld xmlns:a="http://schemas.openxmlformats.org/drawingml/2006/main" xmlns:r="http://schemas.openxmlformats.org/officeDocument/2006/relationships" xmlns:mc="http://schemas.openxmlformats.org/markup-compatibility/2006" xmlns:mv="urn:schemas-microsoft-com:mac:vml" xmlns:p="http://schemas.openxmlformats.org/presentationml/2006/main" xmlns:c="http://schemas.openxmlformats.org/drawingml/2006/chart" xmlns:dgm="http://schemas.openxmlformats.org/drawingml/2006/diagram" xmlns:o="urn:schemas-microsoft-com:office:office" xmlns:v="urn:schemas-microsoft-com:vml" xmlns:pvml="urn:schemas-microsoft-com:office:powerpoint" xmlns:com="http://schemas.openxmlformats.org/drawingml/2006/compatibility" xmlns:p14="http://schemas.microsoft.com/office/powerpoint/2010/main" xmlns:p15="http://schemas.microsoft.com/office/powerpoint/2012/main" xmlns:ahyp="http://schemas.microsoft.com/office/drawing/2018/hyperlinkcolor">
   <p:cSld>
     <p:spTree>
       <p:nvGrpSpPr>
-        <p:cNvPr id="112" name="Shape 112"/>
+        <p:cNvPr id="121" name="Shape 121"/>
         <p:cNvGrpSpPr/>
         <p:nvPr/>
       </p:nvGrpSpPr>
@@ -7859,7 +8254,7 @@
       </p:grpSpPr>
       <p:sp>
         <p:nvSpPr>
-          <p:cNvPr id="113" name="Google Shape;113;p16"/>
+          <p:cNvPr id="122" name="Google Shape;122;p17"/>
           <p:cNvSpPr txBox="1"/>
           <p:nvPr>
             <p:ph type="title"/>
@@ -7927,7 +8322,7 @@
       </p:sp>
       <p:sp>
         <p:nvSpPr>
-          <p:cNvPr id="114" name="Google Shape;114;p16"/>
+          <p:cNvPr id="123" name="Google Shape;123;p17"/>
           <p:cNvSpPr txBox="1"/>
           <p:nvPr>
             <p:ph idx="12" type="sldNum"/>
@@ -7995,7 +8390,7 @@
       </p:sp>
       <p:pic>
         <p:nvPicPr>
-          <p:cNvPr id="115" name="Google Shape;115;p16"/>
+          <p:cNvPr id="124" name="Google Shape;124;p17"/>
           <p:cNvPicPr preferRelativeResize="0"/>
           <p:nvPr/>
         </p:nvPicPr>
@@ -8029,12 +8424,12 @@
 </p:sld>
 </file>
 
-<file path=ppt/slides/slide13.xml><?xml version="1.0" encoding="utf-8"?>
+<file path=ppt/slides/slide14.xml><?xml version="1.0" encoding="utf-8"?>
 <p:sld xmlns:a="http://schemas.openxmlformats.org/drawingml/2006/main" xmlns:r="http://schemas.openxmlformats.org/officeDocument/2006/relationships" xmlns:mc="http://schemas.openxmlformats.org/markup-compatibility/2006" xmlns:mv="urn:schemas-microsoft-com:mac:vml" xmlns:p="http://schemas.openxmlformats.org/presentationml/2006/main" xmlns:c="http://schemas.openxmlformats.org/drawingml/2006/chart" xmlns:dgm="http://schemas.openxmlformats.org/drawingml/2006/diagram" xmlns:o="urn:schemas-microsoft-com:office:office" xmlns:v="urn:schemas-microsoft-com:vml" xmlns:pvml="urn:schemas-microsoft-com:office:powerpoint" xmlns:com="http://schemas.openxmlformats.org/drawingml/2006/compatibility" xmlns:p14="http://schemas.microsoft.com/office/powerpoint/2010/main" xmlns:p15="http://schemas.microsoft.com/office/powerpoint/2012/main" xmlns:ahyp="http://schemas.microsoft.com/office/drawing/2018/hyperlinkcolor">
   <p:cSld>
     <p:spTree>
       <p:nvGrpSpPr>
-        <p:cNvPr id="119" name="Shape 119"/>
+        <p:cNvPr id="128" name="Shape 128"/>
         <p:cNvGrpSpPr/>
         <p:nvPr/>
       </p:nvGrpSpPr>
@@ -8048,7 +8443,7 @@
       </p:grpSpPr>
       <p:sp>
         <p:nvSpPr>
-          <p:cNvPr id="120" name="Google Shape;120;p17"/>
+          <p:cNvPr id="129" name="Google Shape;129;p18"/>
           <p:cNvSpPr txBox="1"/>
           <p:nvPr>
             <p:ph type="title"/>
@@ -8091,18 +8486,6 @@
               <a:buNone/>
             </a:pPr>
             <a:r>
-              <a:rPr b="0" lang="ru-RU" sz="3600" strike="noStrike">
-                <a:solidFill>
-                  <a:schemeClr val="dk1"/>
-                </a:solidFill>
-                <a:latin typeface="Times New Roman"/>
-                <a:ea typeface="Times New Roman"/>
-                <a:cs typeface="Times New Roman"/>
-                <a:sym typeface="Times New Roman"/>
-              </a:rPr>
-              <a:t>Зависимость времени </a:t>
-            </a:r>
-            <a:r>
               <a:rPr lang="ru-RU" sz="3600">
                 <a:solidFill>
                   <a:schemeClr val="dk1"/>
@@ -8112,7 +8495,7 @@
                 <a:cs typeface="Times New Roman"/>
                 <a:sym typeface="Times New Roman"/>
               </a:rPr>
-              <a:t>генерации кадра от размеров квадратной сцены</a:t>
+              <a:t>График зависимости времени генерации сцены от количества строк и столбцов квадратной матрицы сцены</a:t>
             </a:r>
             <a:endParaRPr b="0" sz="3600" strike="noStrike">
               <a:solidFill>
@@ -8128,7 +8511,7 @@
       </p:sp>
       <p:sp>
         <p:nvSpPr>
-          <p:cNvPr id="121" name="Google Shape;121;p17"/>
+          <p:cNvPr id="130" name="Google Shape;130;p18"/>
           <p:cNvSpPr txBox="1"/>
           <p:nvPr>
             <p:ph idx="12" type="sldNum"/>
@@ -8196,7 +8579,7 @@
       </p:sp>
       <p:sp>
         <p:nvSpPr>
-          <p:cNvPr id="122" name="Google Shape;122;p17"/>
+          <p:cNvPr id="131" name="Google Shape;131;p18"/>
           <p:cNvSpPr/>
           <p:nvPr/>
         </p:nvSpPr>
@@ -8382,7 +8765,7 @@
       </p:sp>
       <p:pic>
         <p:nvPicPr>
-          <p:cNvPr id="123" name="Google Shape;123;p17"/>
+          <p:cNvPr id="132" name="Google Shape;132;p18"/>
           <p:cNvPicPr preferRelativeResize="0"/>
           <p:nvPr/>
         </p:nvPicPr>
@@ -8396,8 +8779,8 @@
         </p:blipFill>
         <p:spPr>
           <a:xfrm>
-            <a:off x="5037240" y="1495920"/>
-            <a:ext cx="6306398" cy="4729798"/>
+            <a:off x="4975250" y="1623245"/>
+            <a:ext cx="7002301" cy="3949052"/>
           </a:xfrm>
           <a:prstGeom prst="rect">
             <a:avLst/>
@@ -8416,12 +8799,12 @@
 </p:sld>
 </file>
 
-<file path=ppt/slides/slide14.xml><?xml version="1.0" encoding="utf-8"?>
+<file path=ppt/slides/slide15.xml><?xml version="1.0" encoding="utf-8"?>
 <p:sld xmlns:a="http://schemas.openxmlformats.org/drawingml/2006/main" xmlns:r="http://schemas.openxmlformats.org/officeDocument/2006/relationships" xmlns:mc="http://schemas.openxmlformats.org/markup-compatibility/2006" xmlns:mv="urn:schemas-microsoft-com:mac:vml" xmlns:p="http://schemas.openxmlformats.org/presentationml/2006/main" xmlns:c="http://schemas.openxmlformats.org/drawingml/2006/chart" xmlns:dgm="http://schemas.openxmlformats.org/drawingml/2006/diagram" xmlns:o="urn:schemas-microsoft-com:office:office" xmlns:v="urn:schemas-microsoft-com:vml" xmlns:pvml="urn:schemas-microsoft-com:office:powerpoint" xmlns:com="http://schemas.openxmlformats.org/drawingml/2006/compatibility" xmlns:p14="http://schemas.microsoft.com/office/powerpoint/2010/main" xmlns:p15="http://schemas.microsoft.com/office/powerpoint/2012/main" xmlns:ahyp="http://schemas.microsoft.com/office/drawing/2018/hyperlinkcolor">
   <p:cSld>
     <p:spTree>
       <p:nvGrpSpPr>
-        <p:cNvPr id="127" name="Shape 127"/>
+        <p:cNvPr id="136" name="Shape 136"/>
         <p:cNvGrpSpPr/>
         <p:nvPr/>
       </p:nvGrpSpPr>
@@ -8435,7 +8818,7 @@
       </p:grpSpPr>
       <p:sp>
         <p:nvSpPr>
-          <p:cNvPr id="128" name="Google Shape;128;p18"/>
+          <p:cNvPr id="137" name="Google Shape;137;p19"/>
           <p:cNvSpPr txBox="1"/>
           <p:nvPr>
             <p:ph type="title"/>
@@ -8478,18 +8861,6 @@
               <a:buNone/>
             </a:pPr>
             <a:r>
-              <a:rPr b="0" lang="ru-RU" sz="3600" strike="noStrike">
-                <a:solidFill>
-                  <a:schemeClr val="dk1"/>
-                </a:solidFill>
-                <a:latin typeface="Times New Roman"/>
-                <a:ea typeface="Times New Roman"/>
-                <a:cs typeface="Times New Roman"/>
-                <a:sym typeface="Times New Roman"/>
-              </a:rPr>
-              <a:t>Зависимость времени </a:t>
-            </a:r>
-            <a:r>
               <a:rPr lang="ru-RU" sz="3600">
                 <a:solidFill>
                   <a:schemeClr val="dk1"/>
@@ -8499,7 +8870,7 @@
                 <a:cs typeface="Times New Roman"/>
                 <a:sym typeface="Times New Roman"/>
               </a:rPr>
-              <a:t>генерации сцены от размеров квадратной матрицы</a:t>
+              <a:t>График зависимости времени создания карты теней сцены от количества строк и столбцов квадратной матрицы глубин карты теней</a:t>
             </a:r>
             <a:endParaRPr b="0" sz="3600" strike="noStrike">
               <a:solidFill>
@@ -8515,7 +8886,7 @@
       </p:sp>
       <p:sp>
         <p:nvSpPr>
-          <p:cNvPr id="129" name="Google Shape;129;p18"/>
+          <p:cNvPr id="138" name="Google Shape;138;p19"/>
           <p:cNvSpPr txBox="1"/>
           <p:nvPr>
             <p:ph idx="12" type="sldNum"/>
@@ -8583,7 +8954,7 @@
       </p:sp>
       <p:sp>
         <p:nvSpPr>
-          <p:cNvPr id="130" name="Google Shape;130;p18"/>
+          <p:cNvPr id="139" name="Google Shape;139;p19"/>
           <p:cNvSpPr/>
           <p:nvPr/>
         </p:nvSpPr>
@@ -8769,7 +9140,7 @@
       </p:sp>
       <p:pic>
         <p:nvPicPr>
-          <p:cNvPr id="131" name="Google Shape;131;p18"/>
+          <p:cNvPr id="140" name="Google Shape;140;p19"/>
           <p:cNvPicPr preferRelativeResize="0"/>
           <p:nvPr/>
         </p:nvPicPr>
@@ -8783,8 +9154,8 @@
         </p:blipFill>
         <p:spPr>
           <a:xfrm>
-            <a:off x="5037300" y="1495860"/>
-            <a:ext cx="6306480" cy="4729860"/>
+            <a:off x="4884900" y="1784435"/>
+            <a:ext cx="7002301" cy="3887508"/>
           </a:xfrm>
           <a:prstGeom prst="rect">
             <a:avLst/>
@@ -8803,12 +9174,12 @@
 </p:sld>
 </file>
 
-<file path=ppt/slides/slide15.xml><?xml version="1.0" encoding="utf-8"?>
+<file path=ppt/slides/slide16.xml><?xml version="1.0" encoding="utf-8"?>
 <p:sld xmlns:a="http://schemas.openxmlformats.org/drawingml/2006/main" xmlns:r="http://schemas.openxmlformats.org/officeDocument/2006/relationships" xmlns:mc="http://schemas.openxmlformats.org/markup-compatibility/2006" xmlns:mv="urn:schemas-microsoft-com:mac:vml" xmlns:p="http://schemas.openxmlformats.org/presentationml/2006/main" xmlns:c="http://schemas.openxmlformats.org/drawingml/2006/chart" xmlns:dgm="http://schemas.openxmlformats.org/drawingml/2006/diagram" xmlns:o="urn:schemas-microsoft-com:office:office" xmlns:v="urn:schemas-microsoft-com:vml" xmlns:pvml="urn:schemas-microsoft-com:office:powerpoint" xmlns:com="http://schemas.openxmlformats.org/drawingml/2006/compatibility" xmlns:p14="http://schemas.microsoft.com/office/powerpoint/2010/main" xmlns:p15="http://schemas.microsoft.com/office/powerpoint/2012/main" xmlns:ahyp="http://schemas.microsoft.com/office/drawing/2018/hyperlinkcolor">
   <p:cSld>
     <p:spTree>
       <p:nvGrpSpPr>
-        <p:cNvPr id="135" name="Shape 135"/>
+        <p:cNvPr id="144" name="Shape 144"/>
         <p:cNvGrpSpPr/>
         <p:nvPr/>
       </p:nvGrpSpPr>
@@ -8822,7 +9193,382 @@
       </p:grpSpPr>
       <p:sp>
         <p:nvSpPr>
-          <p:cNvPr id="136" name="Google Shape;136;p19"/>
+          <p:cNvPr id="145" name="Google Shape;145;p20"/>
+          <p:cNvSpPr txBox="1"/>
+          <p:nvPr>
+            <p:ph type="title"/>
+          </p:nvPr>
+        </p:nvSpPr>
+        <p:spPr>
+          <a:xfrm>
+            <a:off x="210600" y="18360"/>
+            <a:ext cx="11371800" cy="1325100"/>
+          </a:xfrm>
+          <a:prstGeom prst="rect">
+            <a:avLst/>
+          </a:prstGeom>
+          <a:noFill/>
+          <a:ln>
+            <a:noFill/>
+          </a:ln>
+        </p:spPr>
+        <p:txBody>
+          <a:bodyPr anchorCtr="0" anchor="ctr" bIns="45700" lIns="91425" spcFirstLastPara="1" rIns="91425" wrap="square" tIns="45700">
+            <a:noAutofit/>
+          </a:bodyPr>
+          <a:lstStyle/>
+          <a:p>
+            <a:pPr indent="0" lvl="0" marL="0" rtl="0" algn="l">
+              <a:lnSpc>
+                <a:spcPct val="90000"/>
+              </a:lnSpc>
+              <a:spcBef>
+                <a:spcPts val="0"/>
+              </a:spcBef>
+              <a:spcAft>
+                <a:spcPts val="0"/>
+              </a:spcAft>
+              <a:buClr>
+                <a:schemeClr val="dk1"/>
+              </a:buClr>
+              <a:buSzPts val="3600"/>
+              <a:buFont typeface="Times New Roman"/>
+              <a:buNone/>
+            </a:pPr>
+            <a:r>
+              <a:rPr lang="ru-RU" sz="3600">
+                <a:solidFill>
+                  <a:schemeClr val="dk1"/>
+                </a:solidFill>
+                <a:latin typeface="Times New Roman"/>
+                <a:ea typeface="Times New Roman"/>
+                <a:cs typeface="Times New Roman"/>
+                <a:sym typeface="Times New Roman"/>
+              </a:rPr>
+              <a:t>График зависимости времени генерации кадра от количества видимых граней на сцене</a:t>
+            </a:r>
+            <a:endParaRPr b="0" sz="3600" strike="noStrike">
+              <a:solidFill>
+                <a:schemeClr val="dk1"/>
+              </a:solidFill>
+              <a:latin typeface="Arial"/>
+              <a:ea typeface="Arial"/>
+              <a:cs typeface="Arial"/>
+              <a:sym typeface="Arial"/>
+            </a:endParaRPr>
+          </a:p>
+        </p:txBody>
+      </p:sp>
+      <p:sp>
+        <p:nvSpPr>
+          <p:cNvPr id="146" name="Google Shape;146;p20"/>
+          <p:cNvSpPr txBox="1"/>
+          <p:nvPr>
+            <p:ph idx="12" type="sldNum"/>
+          </p:nvPr>
+        </p:nvSpPr>
+        <p:spPr>
+          <a:xfrm>
+            <a:off x="9234720" y="6378120"/>
+            <a:ext cx="2742900" cy="364800"/>
+          </a:xfrm>
+          <a:prstGeom prst="rect">
+            <a:avLst/>
+          </a:prstGeom>
+          <a:noFill/>
+          <a:ln>
+            <a:noFill/>
+          </a:ln>
+        </p:spPr>
+        <p:txBody>
+          <a:bodyPr anchorCtr="0" anchor="ctr" bIns="45700" lIns="91425" spcFirstLastPara="1" rIns="91425" wrap="square" tIns="45700">
+            <a:noAutofit/>
+          </a:bodyPr>
+          <a:lstStyle/>
+          <a:p>
+            <a:pPr indent="0" lvl="0" marL="0" marR="0" rtl="0" algn="r">
+              <a:lnSpc>
+                <a:spcPct val="100000"/>
+              </a:lnSpc>
+              <a:spcBef>
+                <a:spcPts val="0"/>
+              </a:spcBef>
+              <a:spcAft>
+                <a:spcPts val="0"/>
+              </a:spcAft>
+              <a:buClr>
+                <a:srgbClr val="757575"/>
+              </a:buClr>
+              <a:buSzPts val="2200"/>
+              <a:buFont typeface="Arial"/>
+              <a:buNone/>
+            </a:pPr>
+            <a:fld id="{00000000-1234-1234-1234-123412341234}" type="slidenum">
+              <a:rPr b="0" i="0" lang="ru-RU" sz="2200" u="none" cap="none" strike="noStrike">
+                <a:solidFill>
+                  <a:srgbClr val="757575"/>
+                </a:solidFill>
+                <a:latin typeface="Arial"/>
+                <a:ea typeface="Arial"/>
+                <a:cs typeface="Arial"/>
+                <a:sym typeface="Arial"/>
+              </a:rPr>
+              <a:t>‹#›</a:t>
+            </a:fld>
+            <a:endParaRPr b="0" i="0" sz="2200" u="none" cap="none" strike="noStrike">
+              <a:solidFill>
+                <a:srgbClr val="000000"/>
+              </a:solidFill>
+              <a:latin typeface="Times New Roman"/>
+              <a:ea typeface="Times New Roman"/>
+              <a:cs typeface="Times New Roman"/>
+              <a:sym typeface="Times New Roman"/>
+            </a:endParaRPr>
+          </a:p>
+        </p:txBody>
+      </p:sp>
+      <p:sp>
+        <p:nvSpPr>
+          <p:cNvPr id="147" name="Google Shape;147;p20"/>
+          <p:cNvSpPr/>
+          <p:nvPr/>
+        </p:nvSpPr>
+        <p:spPr>
+          <a:xfrm>
+            <a:off x="102600" y="1736656"/>
+            <a:ext cx="4782300" cy="4264200"/>
+          </a:xfrm>
+          <a:prstGeom prst="rect">
+            <a:avLst/>
+          </a:prstGeom>
+          <a:noFill/>
+          <a:ln>
+            <a:noFill/>
+          </a:ln>
+        </p:spPr>
+        <p:txBody>
+          <a:bodyPr anchorCtr="0" anchor="t" bIns="45000" lIns="90000" spcFirstLastPara="1" rIns="90000" wrap="square" tIns="45000">
+            <a:noAutofit/>
+          </a:bodyPr>
+          <a:lstStyle/>
+          <a:p>
+            <a:pPr indent="-355600" lvl="0" marL="457200" rtl="0" algn="l">
+              <a:lnSpc>
+                <a:spcPct val="150000"/>
+              </a:lnSpc>
+              <a:spcBef>
+                <a:spcPts val="0"/>
+              </a:spcBef>
+              <a:spcAft>
+                <a:spcPts val="0"/>
+              </a:spcAft>
+              <a:buClr>
+                <a:schemeClr val="dk1"/>
+              </a:buClr>
+              <a:buSzPts val="2000"/>
+              <a:buFont typeface="Times New Roman"/>
+              <a:buChar char="-"/>
+            </a:pPr>
+            <a:r>
+              <a:rPr lang="ru-RU" sz="2000">
+                <a:solidFill>
+                  <a:schemeClr val="dk1"/>
+                </a:solidFill>
+                <a:latin typeface="Times New Roman"/>
+                <a:ea typeface="Times New Roman"/>
+                <a:cs typeface="Times New Roman"/>
+                <a:sym typeface="Times New Roman"/>
+              </a:rPr>
+              <a:t>операционная система EndeavourOS 64бит;</a:t>
+            </a:r>
+            <a:endParaRPr sz="2000">
+              <a:solidFill>
+                <a:schemeClr val="dk1"/>
+              </a:solidFill>
+              <a:latin typeface="Times New Roman"/>
+              <a:ea typeface="Times New Roman"/>
+              <a:cs typeface="Times New Roman"/>
+              <a:sym typeface="Times New Roman"/>
+            </a:endParaRPr>
+          </a:p>
+          <a:p>
+            <a:pPr indent="-355600" lvl="0" marL="457200" rtl="0" algn="l">
+              <a:lnSpc>
+                <a:spcPct val="150000"/>
+              </a:lnSpc>
+              <a:spcBef>
+                <a:spcPts val="0"/>
+              </a:spcBef>
+              <a:spcAft>
+                <a:spcPts val="0"/>
+              </a:spcAft>
+              <a:buClr>
+                <a:schemeClr val="dk1"/>
+              </a:buClr>
+              <a:buSzPts val="2000"/>
+              <a:buFont typeface="Times New Roman"/>
+              <a:buChar char="-"/>
+            </a:pPr>
+            <a:r>
+              <a:rPr lang="ru-RU" sz="2000">
+                <a:solidFill>
+                  <a:schemeClr val="dk1"/>
+                </a:solidFill>
+                <a:latin typeface="Times New Roman"/>
+                <a:ea typeface="Times New Roman"/>
+                <a:cs typeface="Times New Roman"/>
+                <a:sym typeface="Times New Roman"/>
+              </a:rPr>
+              <a:t>версия ядра Linux 6.12.3-arch1-1;</a:t>
+            </a:r>
+            <a:endParaRPr sz="2000">
+              <a:solidFill>
+                <a:schemeClr val="dk1"/>
+              </a:solidFill>
+              <a:latin typeface="Times New Roman"/>
+              <a:ea typeface="Times New Roman"/>
+              <a:cs typeface="Times New Roman"/>
+              <a:sym typeface="Times New Roman"/>
+            </a:endParaRPr>
+          </a:p>
+          <a:p>
+            <a:pPr indent="-355600" lvl="0" marL="457200" rtl="0" algn="l">
+              <a:lnSpc>
+                <a:spcPct val="150000"/>
+              </a:lnSpc>
+              <a:spcBef>
+                <a:spcPts val="0"/>
+              </a:spcBef>
+              <a:spcAft>
+                <a:spcPts val="0"/>
+              </a:spcAft>
+              <a:buClr>
+                <a:schemeClr val="dk1"/>
+              </a:buClr>
+              <a:buSzPts val="2000"/>
+              <a:buFont typeface="Times New Roman"/>
+              <a:buChar char="-"/>
+            </a:pPr>
+            <a:r>
+              <a:rPr lang="ru-RU" sz="2000">
+                <a:solidFill>
+                  <a:schemeClr val="dk1"/>
+                </a:solidFill>
+                <a:latin typeface="Times New Roman"/>
+                <a:ea typeface="Times New Roman"/>
+                <a:cs typeface="Times New Roman"/>
+                <a:sym typeface="Times New Roman"/>
+              </a:rPr>
+              <a:t>13th Gen Intel(R) Core(TM) i5-13500H 4.70 ГГц 12 ядер</a:t>
+            </a:r>
+            <a:endParaRPr sz="2000">
+              <a:solidFill>
+                <a:schemeClr val="dk1"/>
+              </a:solidFill>
+              <a:latin typeface="Times New Roman"/>
+              <a:ea typeface="Times New Roman"/>
+              <a:cs typeface="Times New Roman"/>
+              <a:sym typeface="Times New Roman"/>
+            </a:endParaRPr>
+          </a:p>
+          <a:p>
+            <a:pPr indent="-355600" lvl="0" marL="457200" rtl="0" algn="l">
+              <a:lnSpc>
+                <a:spcPct val="150000"/>
+              </a:lnSpc>
+              <a:spcBef>
+                <a:spcPts val="0"/>
+              </a:spcBef>
+              <a:spcAft>
+                <a:spcPts val="0"/>
+              </a:spcAft>
+              <a:buClr>
+                <a:schemeClr val="dk1"/>
+              </a:buClr>
+              <a:buSzPts val="2000"/>
+              <a:buFont typeface="Times New Roman"/>
+              <a:buChar char="-"/>
+            </a:pPr>
+            <a:r>
+              <a:rPr lang="ru-RU" sz="2000">
+                <a:solidFill>
+                  <a:schemeClr val="dk1"/>
+                </a:solidFill>
+                <a:latin typeface="Times New Roman"/>
+                <a:ea typeface="Times New Roman"/>
+                <a:cs typeface="Times New Roman"/>
+                <a:sym typeface="Times New Roman"/>
+              </a:rPr>
+              <a:t>оперативная память 16ГБ с частотой 5200МГц.</a:t>
+            </a:r>
+            <a:endParaRPr sz="2000">
+              <a:solidFill>
+                <a:schemeClr val="dk1"/>
+              </a:solidFill>
+              <a:latin typeface="Times New Roman"/>
+              <a:ea typeface="Times New Roman"/>
+              <a:cs typeface="Times New Roman"/>
+              <a:sym typeface="Times New Roman"/>
+            </a:endParaRPr>
+          </a:p>
+        </p:txBody>
+      </p:sp>
+      <p:pic>
+        <p:nvPicPr>
+          <p:cNvPr id="148" name="Google Shape;148;p20"/>
+          <p:cNvPicPr preferRelativeResize="0"/>
+          <p:nvPr/>
+        </p:nvPicPr>
+        <p:blipFill>
+          <a:blip r:embed="rId3">
+            <a:alphaModFix/>
+          </a:blip>
+          <a:stretch>
+            <a:fillRect/>
+          </a:stretch>
+        </p:blipFill>
+        <p:spPr>
+          <a:xfrm>
+            <a:off x="5037300" y="1495860"/>
+            <a:ext cx="7002301" cy="3887508"/>
+          </a:xfrm>
+          <a:prstGeom prst="rect">
+            <a:avLst/>
+          </a:prstGeom>
+          <a:noFill/>
+          <a:ln>
+            <a:noFill/>
+          </a:ln>
+        </p:spPr>
+      </p:pic>
+    </p:spTree>
+  </p:cSld>
+  <p:clrMapOvr>
+    <a:masterClrMapping/>
+  </p:clrMapOvr>
+</p:sld>
+</file>
+
+<file path=ppt/slides/slide17.xml><?xml version="1.0" encoding="utf-8"?>
+<p:sld xmlns:a="http://schemas.openxmlformats.org/drawingml/2006/main" xmlns:r="http://schemas.openxmlformats.org/officeDocument/2006/relationships" xmlns:mc="http://schemas.openxmlformats.org/markup-compatibility/2006" xmlns:mv="urn:schemas-microsoft-com:mac:vml" xmlns:p="http://schemas.openxmlformats.org/presentationml/2006/main" xmlns:c="http://schemas.openxmlformats.org/drawingml/2006/chart" xmlns:dgm="http://schemas.openxmlformats.org/drawingml/2006/diagram" xmlns:o="urn:schemas-microsoft-com:office:office" xmlns:v="urn:schemas-microsoft-com:vml" xmlns:pvml="urn:schemas-microsoft-com:office:powerpoint" xmlns:com="http://schemas.openxmlformats.org/drawingml/2006/compatibility" xmlns:p14="http://schemas.microsoft.com/office/powerpoint/2010/main" xmlns:p15="http://schemas.microsoft.com/office/powerpoint/2012/main" xmlns:ahyp="http://schemas.microsoft.com/office/drawing/2018/hyperlinkcolor">
+  <p:cSld>
+    <p:spTree>
+      <p:nvGrpSpPr>
+        <p:cNvPr id="152" name="Shape 152"/>
+        <p:cNvGrpSpPr/>
+        <p:nvPr/>
+      </p:nvGrpSpPr>
+      <p:grpSpPr>
+        <a:xfrm>
+          <a:off x="0" y="0"/>
+          <a:ext cx="0" cy="0"/>
+          <a:chOff x="0" y="0"/>
+          <a:chExt cx="0" cy="0"/>
+        </a:xfrm>
+      </p:grpSpPr>
+      <p:sp>
+        <p:nvSpPr>
+          <p:cNvPr id="153" name="Google Shape;153;p21"/>
           <p:cNvSpPr txBox="1"/>
           <p:nvPr>
             <p:ph type="title"/>
@@ -8890,7 +9636,7 @@
       </p:sp>
       <p:sp>
         <p:nvSpPr>
-          <p:cNvPr id="137" name="Google Shape;137;p19"/>
+          <p:cNvPr id="154" name="Google Shape;154;p21"/>
           <p:cNvSpPr txBox="1"/>
           <p:nvPr>
             <p:ph idx="1" type="body"/>
@@ -8925,11 +9671,6 @@
               <a:spcAft>
                 <a:spcPts val="0"/>
               </a:spcAft>
-              <a:buClr>
-                <a:schemeClr val="dk1"/>
-              </a:buClr>
-              <a:buSzPts val="1100"/>
-              <a:buFont typeface="Arial"/>
               <a:buNone/>
             </a:pPr>
             <a:r>
@@ -8942,7 +9683,7 @@
                 <a:cs typeface="Times New Roman"/>
                 <a:sym typeface="Times New Roman"/>
               </a:rPr>
-              <a:t>Поставленная цель была достигнута и были выполнены все поставленные задачи:</a:t>
+              <a:t>Поставленная цель была достигнута, и были выполнены все поставленные задачи:</a:t>
             </a:r>
             <a:endParaRPr sz="2400">
               <a:solidFill>
@@ -8982,47 +9723,7 @@
                 <a:cs typeface="Times New Roman"/>
                 <a:sym typeface="Times New Roman"/>
               </a:rPr>
-              <a:t>были сравнены существующие алгоритмы процедурной генерации сцены;</a:t>
-            </a:r>
-            <a:endParaRPr sz="2400">
-              <a:solidFill>
-                <a:schemeClr val="dk1"/>
-              </a:solidFill>
-              <a:latin typeface="Times New Roman"/>
-              <a:ea typeface="Times New Roman"/>
-              <a:cs typeface="Times New Roman"/>
-              <a:sym typeface="Times New Roman"/>
-            </a:endParaRPr>
-          </a:p>
-          <a:p>
-            <a:pPr indent="-381000" lvl="0" marL="457200" rtl="0" algn="just">
-              <a:lnSpc>
-                <a:spcPct val="90000"/>
-              </a:lnSpc>
-              <a:spcBef>
-                <a:spcPts val="0"/>
-              </a:spcBef>
-              <a:spcAft>
-                <a:spcPts val="0"/>
-              </a:spcAft>
-              <a:buClr>
-                <a:schemeClr val="dk1"/>
-              </a:buClr>
-              <a:buSzPts val="2400"/>
-              <a:buFont typeface="Times New Roman"/>
-              <a:buChar char="-"/>
-            </a:pPr>
-            <a:r>
-              <a:rPr lang="ru-RU" sz="2400">
-                <a:solidFill>
-                  <a:schemeClr val="dk1"/>
-                </a:solidFill>
-                <a:latin typeface="Times New Roman"/>
-                <a:ea typeface="Times New Roman"/>
-                <a:cs typeface="Times New Roman"/>
-                <a:sym typeface="Times New Roman"/>
-              </a:rPr>
-              <a:t>были сравнены существующие алгоритмы компьютерной графики, использующихся для визуализации трёхмерной модели (сцены);</a:t>
+              <a:t>были сравнены существующие алгоритмы процедурной генерации сцены и алгоритмы компьютерной графики, использующихся для визуализации трёхмерной модели (сцены);</a:t>
             </a:r>
             <a:endParaRPr sz="2400">
               <a:solidFill>
@@ -9102,7 +9803,7 @@
                 <a:cs typeface="Times New Roman"/>
                 <a:sym typeface="Times New Roman"/>
               </a:rPr>
-              <a:t>были спроектированы архитектура и графический интерфейс ПО;</a:t>
+              <a:t>были спроектированы архитектура и графический интерфейс ПО</a:t>
             </a:r>
             <a:endParaRPr sz="2400">
               <a:solidFill>
@@ -9182,7 +9883,7 @@
                 <a:cs typeface="Times New Roman"/>
                 <a:sym typeface="Times New Roman"/>
               </a:rPr>
-              <a:t>было разработано ПО;</a:t>
+              <a:t>было разработано спроектированное ПО;</a:t>
             </a:r>
             <a:endParaRPr sz="2400">
               <a:solidFill>
@@ -9238,7 +9939,7 @@
       </p:sp>
       <p:sp>
         <p:nvSpPr>
-          <p:cNvPr id="138" name="Google Shape;138;p19"/>
+          <p:cNvPr id="155" name="Google Shape;155;p21"/>
           <p:cNvSpPr txBox="1"/>
           <p:nvPr>
             <p:ph idx="12" type="sldNum"/>
@@ -9420,7 +10121,7 @@
         </p:spPr>
         <p:txBody>
           <a:bodyPr anchorCtr="0" anchor="t" bIns="45700" lIns="91425" spcFirstLastPara="1" rIns="91425" wrap="square" tIns="45700">
-            <a:normAutofit fontScale="93333"/>
+            <a:normAutofit/>
           </a:bodyPr>
           <a:lstStyle/>
           <a:p>
@@ -9437,42 +10138,42 @@
               <a:buClr>
                 <a:schemeClr val="dk1"/>
               </a:buClr>
-              <a:buSzPct val="100000"/>
+              <a:buSzPts val="1800"/>
               <a:buFont typeface="Times new roman"/>
               <a:buNone/>
             </a:pPr>
             <a:r>
-              <a:rPr b="1" i="0" lang="ru-RU" sz="1800" u="none" cap="none" strike="noStrike">
+              <a:rPr b="1" i="0" lang="ru-RU" sz="2600" u="none" cap="none" strike="noStrike">
                 <a:solidFill>
                   <a:schemeClr val="dk1"/>
                 </a:solidFill>
-                <a:latin typeface="Times new roman"/>
-                <a:ea typeface="Times new roman"/>
-                <a:cs typeface="Times new roman"/>
-                <a:sym typeface="Times new roman"/>
+                <a:latin typeface="Times New Roman"/>
+                <a:ea typeface="Times New Roman"/>
+                <a:cs typeface="Times New Roman"/>
+                <a:sym typeface="Times New Roman"/>
               </a:rPr>
               <a:t>Цель</a:t>
             </a:r>
             <a:r>
-              <a:rPr b="0" i="0" lang="ru-RU" sz="1800" u="none" cap="none" strike="noStrike">
+              <a:rPr i="0" lang="ru-RU" sz="2600" u="none" cap="none" strike="noStrike">
                 <a:solidFill>
                   <a:schemeClr val="dk1"/>
                 </a:solidFill>
-                <a:latin typeface="Times new roman"/>
-                <a:ea typeface="Times new roman"/>
-                <a:cs typeface="Times new roman"/>
-                <a:sym typeface="Times new roman"/>
+                <a:latin typeface="Times New Roman"/>
+                <a:ea typeface="Times New Roman"/>
+                <a:cs typeface="Times New Roman"/>
+                <a:sym typeface="Times New Roman"/>
               </a:rPr>
               <a:t> - разработка программного обеспечения с пользовательским интерфейсом для генерации и визуализации загородного посёлка.</a:t>
             </a:r>
-            <a:endParaRPr b="0" i="0" sz="1800" u="none" cap="none" strike="noStrike">
+            <a:endParaRPr i="0" sz="2600" u="none" cap="none" strike="noStrike">
               <a:solidFill>
                 <a:schemeClr val="dk1"/>
               </a:solidFill>
-              <a:latin typeface="Times new roman"/>
-              <a:ea typeface="Times new roman"/>
-              <a:cs typeface="Times new roman"/>
-              <a:sym typeface="Times new roman"/>
+              <a:latin typeface="Times New Roman"/>
+              <a:ea typeface="Times New Roman"/>
+              <a:cs typeface="Times New Roman"/>
+              <a:sym typeface="Times New Roman"/>
             </a:endParaRPr>
           </a:p>
           <a:p>
@@ -9489,334 +10190,294 @@
               <a:buClr>
                 <a:schemeClr val="dk1"/>
               </a:buClr>
-              <a:buSzPct val="100000"/>
+              <a:buSzPts val="1800"/>
               <a:buFont typeface="Times new roman"/>
               <a:buNone/>
             </a:pPr>
             <a:r>
-              <a:rPr b="0" i="0" lang="ru-RU" sz="1800" u="none" cap="none" strike="noStrike">
+              <a:rPr i="0" lang="ru-RU" sz="2600" u="none" cap="none" strike="noStrike">
                 <a:solidFill>
                   <a:schemeClr val="dk1"/>
                 </a:solidFill>
-                <a:latin typeface="Times new roman"/>
-                <a:ea typeface="Times new roman"/>
-                <a:cs typeface="Times new roman"/>
-                <a:sym typeface="Times new roman"/>
+                <a:latin typeface="Times New Roman"/>
+                <a:ea typeface="Times New Roman"/>
+                <a:cs typeface="Times New Roman"/>
+                <a:sym typeface="Times New Roman"/>
               </a:rPr>
               <a:t>Для достижения цели были поставлены следующие </a:t>
             </a:r>
             <a:r>
-              <a:rPr b="1" i="0" lang="ru-RU" sz="1800" u="none" cap="none" strike="noStrike">
+              <a:rPr b="1" i="0" lang="ru-RU" sz="2600" u="none" cap="none" strike="noStrike">
                 <a:solidFill>
                   <a:schemeClr val="dk1"/>
                 </a:solidFill>
-                <a:latin typeface="Times new roman"/>
-                <a:ea typeface="Times new roman"/>
-                <a:cs typeface="Times new roman"/>
-                <a:sym typeface="Times new roman"/>
+                <a:latin typeface="Times New Roman"/>
+                <a:ea typeface="Times New Roman"/>
+                <a:cs typeface="Times New Roman"/>
+                <a:sym typeface="Times New Roman"/>
               </a:rPr>
               <a:t>задачи</a:t>
             </a:r>
             <a:r>
-              <a:rPr b="0" i="0" lang="ru-RU" sz="1800" u="none" cap="none" strike="noStrike">
+              <a:rPr i="0" lang="ru-RU" sz="2600" u="none" cap="none" strike="noStrike">
                 <a:solidFill>
                   <a:schemeClr val="dk1"/>
                 </a:solidFill>
-                <a:latin typeface="Times new roman"/>
-                <a:ea typeface="Times new roman"/>
-                <a:cs typeface="Times new roman"/>
-                <a:sym typeface="Times new roman"/>
+                <a:latin typeface="Times New Roman"/>
+                <a:ea typeface="Times New Roman"/>
+                <a:cs typeface="Times New Roman"/>
+                <a:sym typeface="Times New Roman"/>
               </a:rPr>
               <a:t>:</a:t>
             </a:r>
-            <a:endParaRPr b="0" i="0" sz="1800" u="none" cap="none" strike="noStrike">
+            <a:endParaRPr i="0" sz="2600" u="none" cap="none" strike="noStrike">
               <a:solidFill>
                 <a:schemeClr val="dk1"/>
               </a:solidFill>
-              <a:latin typeface="Times new roman"/>
-              <a:ea typeface="Times new roman"/>
-              <a:cs typeface="Times new roman"/>
-              <a:sym typeface="Times new roman"/>
+              <a:latin typeface="Times New Roman"/>
+              <a:ea typeface="Times New Roman"/>
+              <a:cs typeface="Times New Roman"/>
+              <a:sym typeface="Times New Roman"/>
             </a:endParaRPr>
           </a:p>
           <a:p>
-            <a:pPr indent="-457263" lvl="0" marL="457200" marR="0" rtl="0" algn="just">
+            <a:pPr indent="-393700" lvl="0" marL="457200" rtl="0" algn="just">
               <a:lnSpc>
                 <a:spcPct val="90000"/>
               </a:lnSpc>
               <a:spcBef>
-                <a:spcPts val="1191"/>
+                <a:spcPts val="2183"/>
               </a:spcBef>
               <a:spcAft>
                 <a:spcPts val="0"/>
               </a:spcAft>
               <a:buClr>
-                <a:srgbClr val="000000"/>
+                <a:schemeClr val="dk1"/>
               </a:buClr>
-              <a:buSzPct val="100000"/>
-              <a:buFont typeface="Arial"/>
+              <a:buSzPts val="2600"/>
+              <a:buFont typeface="Times New Roman"/>
               <a:buAutoNum type="arabicParenR"/>
             </a:pPr>
             <a:r>
-              <a:rPr b="0" i="0" lang="ru-RU" sz="1800" u="none" cap="none" strike="noStrike">
+              <a:rPr lang="ru-RU" sz="2600">
                 <a:solidFill>
                   <a:schemeClr val="dk1"/>
                 </a:solidFill>
-                <a:latin typeface="Times new roman"/>
-                <a:ea typeface="Times new roman"/>
-                <a:cs typeface="Times new roman"/>
-                <a:sym typeface="Times new roman"/>
+                <a:latin typeface="Times New Roman"/>
+                <a:ea typeface="Times New Roman"/>
+                <a:cs typeface="Times New Roman"/>
+                <a:sym typeface="Times New Roman"/>
               </a:rPr>
-              <a:t>сравнение существующих алгоритмов процедурной генерации сцены;</a:t>
+              <a:t>сравнение существующих алгоритмов процедурной генерации сцены и алгоритмов использующихся для визуализации трёхмерной модели (сцены);</a:t>
             </a:r>
-            <a:endParaRPr b="0" i="0" sz="1800" u="none" cap="none" strike="noStrike">
+            <a:endParaRPr sz="2600">
               <a:solidFill>
                 <a:schemeClr val="dk1"/>
               </a:solidFill>
-              <a:latin typeface="Times new roman"/>
-              <a:ea typeface="Times new roman"/>
-              <a:cs typeface="Times new roman"/>
-              <a:sym typeface="Times new roman"/>
+              <a:latin typeface="Times New Roman"/>
+              <a:ea typeface="Times New Roman"/>
+              <a:cs typeface="Times New Roman"/>
+              <a:sym typeface="Times New Roman"/>
             </a:endParaRPr>
           </a:p>
           <a:p>
-            <a:pPr indent="-457263" lvl="0" marL="457200" marR="0" rtl="0" algn="just">
+            <a:pPr indent="-393700" lvl="0" marL="457200" rtl="0" algn="just">
               <a:lnSpc>
                 <a:spcPct val="90000"/>
               </a:lnSpc>
               <a:spcBef>
-                <a:spcPts val="2183"/>
+                <a:spcPts val="0"/>
               </a:spcBef>
               <a:spcAft>
                 <a:spcPts val="0"/>
               </a:spcAft>
               <a:buClr>
-                <a:srgbClr val="000000"/>
+                <a:schemeClr val="dk1"/>
               </a:buClr>
-              <a:buSzPct val="100000"/>
-              <a:buFont typeface="Arial"/>
+              <a:buSzPts val="2600"/>
+              <a:buFont typeface="Times New Roman"/>
               <a:buAutoNum type="arabicParenR"/>
             </a:pPr>
             <a:r>
-              <a:rPr b="0" i="0" lang="ru-RU" sz="1800" u="none" cap="none" strike="noStrike">
+              <a:rPr lang="ru-RU" sz="2600">
                 <a:solidFill>
                   <a:schemeClr val="dk1"/>
                 </a:solidFill>
-                <a:latin typeface="Times new roman"/>
-                <a:ea typeface="Times new roman"/>
-                <a:cs typeface="Times new roman"/>
-                <a:sym typeface="Times new roman"/>
+                <a:latin typeface="Times New Roman"/>
+                <a:ea typeface="Times New Roman"/>
+                <a:cs typeface="Times New Roman"/>
+                <a:sym typeface="Times New Roman"/>
               </a:rPr>
-              <a:t>сравнение существующих алгоритмов компьютерной графики, использующихся для визуализации трёхмерной модели (сцены);</a:t>
+              <a:t>выбор подходящих алгоритмов для решения поставленных задач;</a:t>
             </a:r>
-            <a:endParaRPr b="0" i="0" sz="1800" u="none" cap="none" strike="noStrike">
+            <a:endParaRPr sz="2600">
               <a:solidFill>
                 <a:schemeClr val="dk1"/>
               </a:solidFill>
-              <a:latin typeface="Times new roman"/>
-              <a:ea typeface="Times new roman"/>
-              <a:cs typeface="Times new roman"/>
-              <a:sym typeface="Times new roman"/>
+              <a:latin typeface="Times New Roman"/>
+              <a:ea typeface="Times New Roman"/>
+              <a:cs typeface="Times New Roman"/>
+              <a:sym typeface="Times New Roman"/>
             </a:endParaRPr>
           </a:p>
           <a:p>
-            <a:pPr indent="-457263" lvl="0" marL="457200" marR="0" rtl="0" algn="just">
+            <a:pPr indent="-393700" lvl="0" marL="457200" rtl="0" algn="just">
               <a:lnSpc>
                 <a:spcPct val="90000"/>
               </a:lnSpc>
               <a:spcBef>
-                <a:spcPts val="2183"/>
+                <a:spcPts val="0"/>
               </a:spcBef>
               <a:spcAft>
                 <a:spcPts val="0"/>
               </a:spcAft>
               <a:buClr>
-                <a:srgbClr val="000000"/>
+                <a:schemeClr val="dk1"/>
               </a:buClr>
-              <a:buSzPct val="100000"/>
-              <a:buFont typeface="Arial"/>
+              <a:buSzPts val="2600"/>
+              <a:buFont typeface="Times New Roman"/>
               <a:buAutoNum type="arabicParenR"/>
             </a:pPr>
             <a:r>
-              <a:rPr b="0" i="0" lang="ru-RU" sz="1800" u="none" cap="none" strike="noStrike">
+              <a:rPr lang="ru-RU" sz="2600">
                 <a:solidFill>
                   <a:schemeClr val="dk1"/>
                 </a:solidFill>
-                <a:latin typeface="Times new roman"/>
-                <a:ea typeface="Times new roman"/>
-                <a:cs typeface="Times new roman"/>
-                <a:sym typeface="Times new roman"/>
+                <a:latin typeface="Times New Roman"/>
+                <a:ea typeface="Times New Roman"/>
+                <a:cs typeface="Times New Roman"/>
+                <a:sym typeface="Times New Roman"/>
               </a:rPr>
-              <a:t>выбор подходящих алгоритмов для решения поставленных задач;</a:t>
+              <a:t>проектирование архитектуры и графического интерфейса ПО;</a:t>
             </a:r>
-            <a:endParaRPr b="0" i="0" sz="1800" u="none" cap="none" strike="noStrike">
+            <a:endParaRPr sz="2600">
               <a:solidFill>
                 <a:schemeClr val="dk1"/>
               </a:solidFill>
-              <a:latin typeface="Times new roman"/>
-              <a:ea typeface="Times new roman"/>
-              <a:cs typeface="Times new roman"/>
-              <a:sym typeface="Times new roman"/>
+              <a:latin typeface="Times New Roman"/>
+              <a:ea typeface="Times New Roman"/>
+              <a:cs typeface="Times New Roman"/>
+              <a:sym typeface="Times New Roman"/>
             </a:endParaRPr>
           </a:p>
           <a:p>
-            <a:pPr indent="-457263" lvl="0" marL="457200" marR="0" rtl="0" algn="just">
+            <a:pPr indent="-393700" lvl="0" marL="457200" rtl="0" algn="just">
               <a:lnSpc>
                 <a:spcPct val="90000"/>
               </a:lnSpc>
               <a:spcBef>
-                <a:spcPts val="2183"/>
+                <a:spcPts val="0"/>
               </a:spcBef>
               <a:spcAft>
                 <a:spcPts val="0"/>
               </a:spcAft>
               <a:buClr>
-                <a:srgbClr val="000000"/>
+                <a:schemeClr val="dk1"/>
               </a:buClr>
-              <a:buSzPct val="100000"/>
-              <a:buFont typeface="Arial"/>
+              <a:buSzPts val="2600"/>
+              <a:buFont typeface="Times New Roman"/>
               <a:buAutoNum type="arabicParenR"/>
             </a:pPr>
             <a:r>
-              <a:rPr b="0" i="0" lang="ru-RU" sz="1800" u="none" cap="none" strike="noStrike">
+              <a:rPr lang="ru-RU" sz="2600">
                 <a:solidFill>
                   <a:schemeClr val="dk1"/>
                 </a:solidFill>
-                <a:latin typeface="Times new roman"/>
-                <a:ea typeface="Times new roman"/>
-                <a:cs typeface="Times new roman"/>
-                <a:sym typeface="Times new roman"/>
+                <a:latin typeface="Times New Roman"/>
+                <a:ea typeface="Times New Roman"/>
+                <a:cs typeface="Times New Roman"/>
+                <a:sym typeface="Times New Roman"/>
               </a:rPr>
-              <a:t>проектирование архитектуры и графического интерфейса ПО;</a:t>
+              <a:t>выбор средств реализации ПО;</a:t>
             </a:r>
-            <a:endParaRPr b="0" i="0" sz="1800" u="none" cap="none" strike="noStrike">
+            <a:endParaRPr sz="2600">
               <a:solidFill>
                 <a:schemeClr val="dk1"/>
               </a:solidFill>
-              <a:latin typeface="Times new roman"/>
-              <a:ea typeface="Times new roman"/>
-              <a:cs typeface="Times new roman"/>
-              <a:sym typeface="Times new roman"/>
+              <a:latin typeface="Times New Roman"/>
+              <a:ea typeface="Times New Roman"/>
+              <a:cs typeface="Times New Roman"/>
+              <a:sym typeface="Times New Roman"/>
             </a:endParaRPr>
           </a:p>
           <a:p>
-            <a:pPr indent="-457263" lvl="0" marL="457200" marR="0" rtl="0" algn="just">
+            <a:pPr indent="-393700" lvl="0" marL="457200" rtl="0" algn="just">
               <a:lnSpc>
                 <a:spcPct val="90000"/>
               </a:lnSpc>
               <a:spcBef>
-                <a:spcPts val="2183"/>
+                <a:spcPts val="0"/>
               </a:spcBef>
               <a:spcAft>
                 <a:spcPts val="0"/>
               </a:spcAft>
               <a:buClr>
-                <a:srgbClr val="000000"/>
+                <a:schemeClr val="dk1"/>
               </a:buClr>
-              <a:buSzPct val="100000"/>
-              <a:buFont typeface="Arial"/>
+              <a:buSzPts val="2600"/>
+              <a:buFont typeface="Times New Roman"/>
               <a:buAutoNum type="arabicParenR"/>
             </a:pPr>
             <a:r>
-              <a:rPr b="0" i="0" lang="ru-RU" sz="1800" u="none" cap="none" strike="noStrike">
+              <a:rPr lang="ru-RU" sz="2600">
                 <a:solidFill>
                   <a:schemeClr val="dk1"/>
                 </a:solidFill>
-                <a:latin typeface="Times new roman"/>
-                <a:ea typeface="Times new roman"/>
-                <a:cs typeface="Times new roman"/>
-                <a:sym typeface="Times new roman"/>
+                <a:latin typeface="Times New Roman"/>
+                <a:ea typeface="Times New Roman"/>
+                <a:cs typeface="Times New Roman"/>
+                <a:sym typeface="Times New Roman"/>
               </a:rPr>
-              <a:t>выбор средств реализации ПО;</a:t>
+              <a:t>разработка спроектированного ПО;</a:t>
             </a:r>
-            <a:endParaRPr b="0" i="0" sz="1800" u="none" cap="none" strike="noStrike">
+            <a:endParaRPr sz="2600">
               <a:solidFill>
                 <a:schemeClr val="dk1"/>
               </a:solidFill>
-              <a:latin typeface="Times new roman"/>
-              <a:ea typeface="Times new roman"/>
-              <a:cs typeface="Times new roman"/>
-              <a:sym typeface="Times new roman"/>
+              <a:latin typeface="Times New Roman"/>
+              <a:ea typeface="Times New Roman"/>
+              <a:cs typeface="Times New Roman"/>
+              <a:sym typeface="Times New Roman"/>
             </a:endParaRPr>
           </a:p>
           <a:p>
-            <a:pPr indent="-457263" lvl="0" marL="457200" marR="0" rtl="0" algn="just">
+            <a:pPr indent="-393700" lvl="0" marL="457200" rtl="0" algn="just">
               <a:lnSpc>
                 <a:spcPct val="90000"/>
               </a:lnSpc>
               <a:spcBef>
-                <a:spcPts val="2183"/>
+                <a:spcPts val="0"/>
               </a:spcBef>
               <a:spcAft>
                 <a:spcPts val="0"/>
               </a:spcAft>
               <a:buClr>
-                <a:srgbClr val="000000"/>
+                <a:schemeClr val="dk1"/>
               </a:buClr>
-              <a:buSzPct val="100000"/>
-              <a:buFont typeface="Arial"/>
+              <a:buSzPts val="2600"/>
+              <a:buFont typeface="Times New Roman"/>
               <a:buAutoNum type="arabicParenR"/>
             </a:pPr>
             <a:r>
-              <a:rPr b="0" i="0" lang="ru-RU" sz="1800" u="none" cap="none" strike="noStrike">
+              <a:rPr lang="ru-RU" sz="2600">
                 <a:solidFill>
                   <a:schemeClr val="dk1"/>
                 </a:solidFill>
-                <a:latin typeface="Times new roman"/>
-                <a:ea typeface="Times new roman"/>
-                <a:cs typeface="Times new roman"/>
-                <a:sym typeface="Times new roman"/>
+                <a:latin typeface="Times New Roman"/>
+                <a:ea typeface="Times New Roman"/>
+                <a:cs typeface="Times New Roman"/>
+                <a:sym typeface="Times New Roman"/>
               </a:rPr>
-              <a:t>разработка ПО;</a:t>
+              <a:t>замер временных характеристик разработанного ПО.</a:t>
             </a:r>
-            <a:endParaRPr b="0" i="0" sz="1800" u="none" cap="none" strike="noStrike">
+            <a:endParaRPr sz="2600">
               <a:solidFill>
                 <a:schemeClr val="dk1"/>
               </a:solidFill>
-              <a:latin typeface="Times new roman"/>
-              <a:ea typeface="Times new roman"/>
-              <a:cs typeface="Times new roman"/>
-              <a:sym typeface="Times new roman"/>
-            </a:endParaRPr>
-          </a:p>
-          <a:p>
-            <a:pPr indent="-457263" lvl="0" marL="457200" marR="0" rtl="0" algn="just">
-              <a:lnSpc>
-                <a:spcPct val="90000"/>
-              </a:lnSpc>
-              <a:spcBef>
-                <a:spcPts val="2183"/>
-              </a:spcBef>
-              <a:spcAft>
-                <a:spcPts val="0"/>
-              </a:spcAft>
-              <a:buClr>
-                <a:srgbClr val="000000"/>
-              </a:buClr>
-              <a:buSzPct val="100000"/>
-              <a:buFont typeface="Arial"/>
-              <a:buAutoNum type="arabicParenR"/>
-            </a:pPr>
-            <a:r>
-              <a:rPr b="0" i="0" lang="ru-RU" sz="1800" u="none" cap="none" strike="noStrike">
-                <a:solidFill>
-                  <a:schemeClr val="dk1"/>
-                </a:solidFill>
-                <a:latin typeface="Times new roman"/>
-                <a:ea typeface="Times new roman"/>
-                <a:cs typeface="Times new roman"/>
-                <a:sym typeface="Times new roman"/>
-              </a:rPr>
-              <a:t>замер временных характеристик разработанного ПО.</a:t>
-            </a:r>
-            <a:endParaRPr b="0" i="0" sz="1800" u="none" cap="none" strike="noStrike">
-              <a:solidFill>
-                <a:schemeClr val="dk1"/>
-              </a:solidFill>
-              <a:latin typeface="Times new roman"/>
-              <a:ea typeface="Times new roman"/>
-              <a:cs typeface="Times new roman"/>
-              <a:sym typeface="Times new roman"/>
+              <a:latin typeface="Times New Roman"/>
+              <a:ea typeface="Times New Roman"/>
+              <a:cs typeface="Times New Roman"/>
+              <a:sym typeface="Times New Roman"/>
             </a:endParaRPr>
           </a:p>
         </p:txBody>
@@ -10449,6 +11110,184 @@
         </p:nvSpPr>
         <p:spPr>
           <a:xfrm>
+            <a:off x="838080" y="365040"/>
+            <a:ext cx="10515300" cy="1325100"/>
+          </a:xfrm>
+          <a:prstGeom prst="rect">
+            <a:avLst/>
+          </a:prstGeom>
+        </p:spPr>
+        <p:txBody>
+          <a:bodyPr anchorCtr="0" anchor="ctr" bIns="0" lIns="0" spcFirstLastPara="1" rIns="0" wrap="square" tIns="0">
+            <a:noAutofit/>
+          </a:bodyPr>
+          <a:lstStyle/>
+          <a:p>
+            <a:pPr indent="0" lvl="0" marL="0" rtl="0" algn="l">
+              <a:spcBef>
+                <a:spcPts val="0"/>
+              </a:spcBef>
+              <a:spcAft>
+                <a:spcPts val="0"/>
+              </a:spcAft>
+              <a:buNone/>
+            </a:pPr>
+            <a:r>
+              <a:rPr lang="ru-RU" sz="3600">
+                <a:latin typeface="Times New Roman"/>
+                <a:ea typeface="Times New Roman"/>
+                <a:cs typeface="Times New Roman"/>
+                <a:sym typeface="Times New Roman"/>
+              </a:rPr>
+              <a:t>Алгоритм квантового коллапса волновой функции</a:t>
+            </a:r>
+            <a:endParaRPr sz="3600">
+              <a:latin typeface="Times New Roman"/>
+              <a:ea typeface="Times New Roman"/>
+              <a:cs typeface="Times New Roman"/>
+              <a:sym typeface="Times New Roman"/>
+            </a:endParaRPr>
+          </a:p>
+        </p:txBody>
+      </p:sp>
+      <p:sp>
+        <p:nvSpPr>
+          <p:cNvPr id="56" name="Google Shape;56;p8"/>
+          <p:cNvSpPr txBox="1"/>
+          <p:nvPr>
+            <p:ph idx="1" type="body"/>
+          </p:nvPr>
+        </p:nvSpPr>
+        <p:spPr>
+          <a:xfrm>
+            <a:off x="838080" y="1825560"/>
+            <a:ext cx="10515300" cy="4350900"/>
+          </a:xfrm>
+          <a:prstGeom prst="rect">
+            <a:avLst/>
+          </a:prstGeom>
+        </p:spPr>
+        <p:txBody>
+          <a:bodyPr anchorCtr="0" anchor="t" bIns="0" lIns="0" spcFirstLastPara="1" rIns="0" wrap="square" tIns="0">
+            <a:normAutofit/>
+          </a:bodyPr>
+          <a:lstStyle/>
+          <a:p>
+            <a:pPr indent="0" lvl="0" marL="0" rtl="0" algn="l">
+              <a:spcBef>
+                <a:spcPts val="0"/>
+              </a:spcBef>
+              <a:spcAft>
+                <a:spcPts val="0"/>
+              </a:spcAft>
+              <a:buNone/>
+            </a:pPr>
+            <a:r>
+              <a:rPr lang="ru-RU"/>
+              <a:t>Для процедуной генерации сцены был выбран алгоритм а</a:t>
+            </a:r>
+            <a:r>
+              <a:rPr lang="ru-RU"/>
+              <a:t>лгоритм квантового коллапса волновой функции.</a:t>
+            </a:r>
+            <a:endParaRPr/>
+          </a:p>
+          <a:p>
+            <a:pPr indent="0" lvl="0" marL="0" rtl="0" algn="l">
+              <a:spcBef>
+                <a:spcPts val="0"/>
+              </a:spcBef>
+              <a:spcAft>
+                <a:spcPts val="0"/>
+              </a:spcAft>
+              <a:buNone/>
+            </a:pPr>
+            <a:r>
+              <a:t/>
+            </a:r>
+            <a:endParaRPr/>
+          </a:p>
+          <a:p>
+            <a:pPr indent="0" lvl="0" marL="0" rtl="0" algn="l">
+              <a:spcBef>
+                <a:spcPts val="0"/>
+              </a:spcBef>
+              <a:spcAft>
+                <a:spcPts val="0"/>
+              </a:spcAft>
+              <a:buNone/>
+            </a:pPr>
+            <a:r>
+              <a:rPr lang="ru-RU"/>
+              <a:t>Алгоритм заполняет матрицу ячеек, с учётом заданных правил. Пример применения правил для соединения ячеек дорог изображён на рисунке ниже</a:t>
+            </a:r>
+            <a:endParaRPr/>
+          </a:p>
+        </p:txBody>
+      </p:sp>
+      <p:pic>
+        <p:nvPicPr>
+          <p:cNvPr id="57" name="Google Shape;57;p8"/>
+          <p:cNvPicPr preferRelativeResize="0"/>
+          <p:nvPr/>
+        </p:nvPicPr>
+        <p:blipFill>
+          <a:blip r:embed="rId3">
+            <a:alphaModFix/>
+          </a:blip>
+          <a:stretch>
+            <a:fillRect/>
+          </a:stretch>
+        </p:blipFill>
+        <p:spPr>
+          <a:xfrm>
+            <a:off x="1677250" y="3244123"/>
+            <a:ext cx="8837499" cy="2675426"/>
+          </a:xfrm>
+          <a:prstGeom prst="rect">
+            <a:avLst/>
+          </a:prstGeom>
+          <a:noFill/>
+          <a:ln>
+            <a:noFill/>
+          </a:ln>
+        </p:spPr>
+      </p:pic>
+    </p:spTree>
+  </p:cSld>
+  <p:clrMapOvr>
+    <a:masterClrMapping/>
+  </p:clrMapOvr>
+</p:sld>
+</file>
+
+<file path=ppt/slides/slide5.xml><?xml version="1.0" encoding="utf-8"?>
+<p:sld xmlns:a="http://schemas.openxmlformats.org/drawingml/2006/main" xmlns:r="http://schemas.openxmlformats.org/officeDocument/2006/relationships" xmlns:mc="http://schemas.openxmlformats.org/markup-compatibility/2006" xmlns:mv="urn:schemas-microsoft-com:mac:vml" xmlns:p="http://schemas.openxmlformats.org/presentationml/2006/main" xmlns:c="http://schemas.openxmlformats.org/drawingml/2006/chart" xmlns:dgm="http://schemas.openxmlformats.org/drawingml/2006/diagram" xmlns:o="urn:schemas-microsoft-com:office:office" xmlns:v="urn:schemas-microsoft-com:vml" xmlns:pvml="urn:schemas-microsoft-com:office:powerpoint" xmlns:com="http://schemas.openxmlformats.org/drawingml/2006/compatibility" xmlns:p14="http://schemas.microsoft.com/office/powerpoint/2010/main" xmlns:p15="http://schemas.microsoft.com/office/powerpoint/2012/main" xmlns:ahyp="http://schemas.microsoft.com/office/drawing/2018/hyperlinkcolor">
+  <p:cSld>
+    <p:spTree>
+      <p:nvGrpSpPr>
+        <p:cNvPr id="61" name="Shape 61"/>
+        <p:cNvGrpSpPr/>
+        <p:nvPr/>
+      </p:nvGrpSpPr>
+      <p:grpSpPr>
+        <a:xfrm>
+          <a:off x="0" y="0"/>
+          <a:ext cx="0" cy="0"/>
+          <a:chOff x="0" y="0"/>
+          <a:chExt cx="0" cy="0"/>
+        </a:xfrm>
+      </p:grpSpPr>
+      <p:sp>
+        <p:nvSpPr>
+          <p:cNvPr id="62" name="Google Shape;62;p9"/>
+          <p:cNvSpPr txBox="1"/>
+          <p:nvPr>
+            <p:ph type="title"/>
+          </p:nvPr>
+        </p:nvSpPr>
+        <p:spPr>
+          <a:xfrm>
             <a:off x="-56160" y="-243000"/>
             <a:ext cx="11476800" cy="1325160"/>
           </a:xfrm>
@@ -10509,7 +11348,7 @@
       </p:sp>
       <p:sp>
         <p:nvSpPr>
-          <p:cNvPr id="56" name="Google Shape;56;p8"/>
+          <p:cNvPr id="63" name="Google Shape;63;p9"/>
           <p:cNvSpPr txBox="1"/>
           <p:nvPr>
             <p:ph idx="12" type="sldNum"/>
@@ -10577,12 +11416,12 @@
       </p:sp>
       <p:graphicFrame>
         <p:nvGraphicFramePr>
-          <p:cNvPr id="57" name="Google Shape;57;p8"/>
+          <p:cNvPr id="64" name="Google Shape;64;p9"/>
           <p:cNvGraphicFramePr/>
           <p:nvPr/>
         </p:nvGraphicFramePr>
         <p:xfrm>
-          <a:off x="313200" y="2410920"/>
+          <a:off x="313200" y="2156295"/>
           <a:ext cx="3000000" cy="3000000"/>
         </p:xfrm>
         <a:graphic>
@@ -10590,7 +11429,7 @@
             <a:tbl>
               <a:tblPr>
                 <a:noFill/>
-                <a:tableStyleId>{2CB8DF82-8FE0-499E-A9E0-4BA58D2F385F}</a:tableStyleId>
+                <a:tableStyleId>{C856B3F7-64A3-41D1-ADC5-8FBFBF3DD75B}</a:tableStyleId>
               </a:tblPr>
               <a:tblGrid>
                 <a:gridCol w="2799200"/>
@@ -11110,7 +11949,19 @@
                           <a:cs typeface="Times New Roman"/>
                           <a:sym typeface="Times New Roman"/>
                         </a:rPr>
-                        <a:t>Нет</a:t>
+                        <a:t>Нет, </a:t>
+                      </a:r>
+                      <a:r>
+                        <a:rPr lang="ru-RU" sz="2000">
+                          <a:solidFill>
+                            <a:schemeClr val="dk1"/>
+                          </a:solidFill>
+                          <a:latin typeface="Times New Roman"/>
+                          <a:ea typeface="Times New Roman"/>
+                          <a:cs typeface="Times New Roman"/>
+                          <a:sym typeface="Times New Roman"/>
+                        </a:rPr>
+                        <a:t>но сортировка значительно увеличивает производительность</a:t>
                       </a:r>
                       <a:endParaRPr b="0" sz="2000" strike="noStrike">
                         <a:solidFill>
@@ -11977,7 +12828,7 @@
       </p:graphicFrame>
       <p:sp>
         <p:nvSpPr>
-          <p:cNvPr id="58" name="Google Shape;58;p8"/>
+          <p:cNvPr id="65" name="Google Shape;65;p9"/>
           <p:cNvSpPr/>
           <p:nvPr/>
         </p:nvSpPr>
@@ -12045,14 +12896,14 @@
       </p:sp>
       <p:sp>
         <p:nvSpPr>
-          <p:cNvPr id="59" name="Google Shape;59;p8"/>
+          <p:cNvPr id="66" name="Google Shape;66;p9"/>
           <p:cNvSpPr/>
           <p:nvPr/>
         </p:nvSpPr>
         <p:spPr>
           <a:xfrm>
-            <a:off x="8710802" y="2410800"/>
-            <a:ext cx="2799300" cy="4023000"/>
+            <a:off x="8710800" y="2156300"/>
+            <a:ext cx="2799300" cy="4632300"/>
           </a:xfrm>
           <a:prstGeom prst="rect">
             <a:avLst/>
@@ -12136,397 +12987,6 @@
               <a:ea typeface="Arial"/>
               <a:cs typeface="Arial"/>
               <a:sym typeface="Arial"/>
-            </a:endParaRPr>
-          </a:p>
-        </p:txBody>
-      </p:sp>
-    </p:spTree>
-  </p:cSld>
-  <p:clrMapOvr>
-    <a:masterClrMapping/>
-  </p:clrMapOvr>
-</p:sld>
-</file>
-
-<file path=ppt/slides/slide5.xml><?xml version="1.0" encoding="utf-8"?>
-<p:sld xmlns:a="http://schemas.openxmlformats.org/drawingml/2006/main" xmlns:r="http://schemas.openxmlformats.org/officeDocument/2006/relationships" xmlns:mc="http://schemas.openxmlformats.org/markup-compatibility/2006" xmlns:mv="urn:schemas-microsoft-com:mac:vml" xmlns:p="http://schemas.openxmlformats.org/presentationml/2006/main" xmlns:c="http://schemas.openxmlformats.org/drawingml/2006/chart" xmlns:dgm="http://schemas.openxmlformats.org/drawingml/2006/diagram" xmlns:o="urn:schemas-microsoft-com:office:office" xmlns:v="urn:schemas-microsoft-com:vml" xmlns:pvml="urn:schemas-microsoft-com:office:powerpoint" xmlns:com="http://schemas.openxmlformats.org/drawingml/2006/compatibility" xmlns:p14="http://schemas.microsoft.com/office/powerpoint/2010/main" xmlns:p15="http://schemas.microsoft.com/office/powerpoint/2012/main" xmlns:ahyp="http://schemas.microsoft.com/office/drawing/2018/hyperlinkcolor">
-  <p:cSld>
-    <p:spTree>
-      <p:nvGrpSpPr>
-        <p:cNvPr id="63" name="Shape 63"/>
-        <p:cNvGrpSpPr/>
-        <p:nvPr/>
-      </p:nvGrpSpPr>
-      <p:grpSpPr>
-        <a:xfrm>
-          <a:off x="0" y="0"/>
-          <a:ext cx="0" cy="0"/>
-          <a:chOff x="0" y="0"/>
-          <a:chExt cx="0" cy="0"/>
-        </a:xfrm>
-      </p:grpSpPr>
-      <p:sp>
-        <p:nvSpPr>
-          <p:cNvPr id="64" name="Google Shape;64;p9"/>
-          <p:cNvSpPr txBox="1"/>
-          <p:nvPr>
-            <p:ph type="title"/>
-          </p:nvPr>
-        </p:nvSpPr>
-        <p:spPr>
-          <a:xfrm>
-            <a:off x="255610" y="-72015"/>
-            <a:ext cx="10515300" cy="1325100"/>
-          </a:xfrm>
-          <a:prstGeom prst="rect">
-            <a:avLst/>
-          </a:prstGeom>
-          <a:noFill/>
-          <a:ln>
-            <a:noFill/>
-          </a:ln>
-        </p:spPr>
-        <p:txBody>
-          <a:bodyPr anchorCtr="0" anchor="ctr" bIns="45700" lIns="91425" spcFirstLastPara="1" rIns="91425" wrap="square" tIns="45700">
-            <a:normAutofit/>
-          </a:bodyPr>
-          <a:lstStyle/>
-          <a:p>
-            <a:pPr indent="0" lvl="0" marL="0" rtl="0" algn="l">
-              <a:lnSpc>
-                <a:spcPct val="90000"/>
-              </a:lnSpc>
-              <a:spcBef>
-                <a:spcPts val="0"/>
-              </a:spcBef>
-              <a:spcAft>
-                <a:spcPts val="0"/>
-              </a:spcAft>
-              <a:buClr>
-                <a:schemeClr val="dk1"/>
-              </a:buClr>
-              <a:buSzPts val="3600"/>
-              <a:buFont typeface="Times New Roman"/>
-              <a:buNone/>
-            </a:pPr>
-            <a:r>
-              <a:rPr lang="ru-RU" sz="3600">
-                <a:solidFill>
-                  <a:schemeClr val="dk1"/>
-                </a:solidFill>
-                <a:latin typeface="Times New Roman"/>
-                <a:ea typeface="Times New Roman"/>
-                <a:cs typeface="Times New Roman"/>
-                <a:sym typeface="Times New Roman"/>
-              </a:rPr>
-              <a:t>Метод построения теней</a:t>
-            </a:r>
-            <a:endParaRPr b="0" sz="3600" strike="noStrike">
-              <a:solidFill>
-                <a:schemeClr val="dk1"/>
-              </a:solidFill>
-              <a:latin typeface="Arial"/>
-              <a:ea typeface="Arial"/>
-              <a:cs typeface="Arial"/>
-              <a:sym typeface="Arial"/>
-            </a:endParaRPr>
-          </a:p>
-        </p:txBody>
-      </p:sp>
-      <p:sp>
-        <p:nvSpPr>
-          <p:cNvPr id="65" name="Google Shape;65;p9"/>
-          <p:cNvSpPr txBox="1"/>
-          <p:nvPr>
-            <p:ph idx="12" type="sldNum"/>
-          </p:nvPr>
-        </p:nvSpPr>
-        <p:spPr>
-          <a:xfrm>
-            <a:off x="9118440" y="6370920"/>
-            <a:ext cx="2742840" cy="364680"/>
-          </a:xfrm>
-          <a:prstGeom prst="rect">
-            <a:avLst/>
-          </a:prstGeom>
-          <a:noFill/>
-          <a:ln>
-            <a:noFill/>
-          </a:ln>
-        </p:spPr>
-        <p:txBody>
-          <a:bodyPr anchorCtr="0" anchor="ctr" bIns="45700" lIns="91425" spcFirstLastPara="1" rIns="91425" wrap="square" tIns="45700">
-            <a:noAutofit/>
-          </a:bodyPr>
-          <a:lstStyle/>
-          <a:p>
-            <a:pPr indent="0" lvl="0" marL="0" marR="0" rtl="0" algn="r">
-              <a:lnSpc>
-                <a:spcPct val="100000"/>
-              </a:lnSpc>
-              <a:spcBef>
-                <a:spcPts val="0"/>
-              </a:spcBef>
-              <a:spcAft>
-                <a:spcPts val="0"/>
-              </a:spcAft>
-              <a:buClr>
-                <a:srgbClr val="757575"/>
-              </a:buClr>
-              <a:buSzPts val="2200"/>
-              <a:buFont typeface="Arial"/>
-              <a:buNone/>
-            </a:pPr>
-            <a:fld id="{00000000-1234-1234-1234-123412341234}" type="slidenum">
-              <a:rPr b="0" i="0" lang="ru-RU" sz="2200" u="none" cap="none" strike="noStrike">
-                <a:solidFill>
-                  <a:srgbClr val="757575"/>
-                </a:solidFill>
-                <a:latin typeface="Arial"/>
-                <a:ea typeface="Arial"/>
-                <a:cs typeface="Arial"/>
-                <a:sym typeface="Arial"/>
-              </a:rPr>
-              <a:t>‹#›</a:t>
-            </a:fld>
-            <a:endParaRPr b="0" i="0" sz="2200" u="none" cap="none" strike="noStrike">
-              <a:solidFill>
-                <a:srgbClr val="000000"/>
-              </a:solidFill>
-              <a:latin typeface="Times New Roman"/>
-              <a:ea typeface="Times New Roman"/>
-              <a:cs typeface="Times New Roman"/>
-              <a:sym typeface="Times New Roman"/>
-            </a:endParaRPr>
-          </a:p>
-        </p:txBody>
-      </p:sp>
-      <p:sp>
-        <p:nvSpPr>
-          <p:cNvPr id="66" name="Google Shape;66;p9"/>
-          <p:cNvSpPr txBox="1"/>
-          <p:nvPr/>
-        </p:nvSpPr>
-        <p:spPr>
-          <a:xfrm>
-            <a:off x="390425" y="899700"/>
-            <a:ext cx="10626600" cy="5287800"/>
-          </a:xfrm>
-          <a:prstGeom prst="rect">
-            <a:avLst/>
-          </a:prstGeom>
-          <a:noFill/>
-          <a:ln>
-            <a:noFill/>
-          </a:ln>
-        </p:spPr>
-        <p:txBody>
-          <a:bodyPr anchorCtr="0" anchor="t" bIns="91425" lIns="91425" spcFirstLastPara="1" rIns="91425" wrap="square" tIns="91425">
-            <a:noAutofit/>
-          </a:bodyPr>
-          <a:lstStyle/>
-          <a:p>
-            <a:pPr indent="0" lvl="0" marL="0" rtl="0" algn="l">
-              <a:spcBef>
-                <a:spcPts val="0"/>
-              </a:spcBef>
-              <a:spcAft>
-                <a:spcPts val="0"/>
-              </a:spcAft>
-              <a:buNone/>
-            </a:pPr>
-            <a:r>
-              <a:rPr lang="ru-RU" sz="2600">
-                <a:latin typeface="Times New Roman"/>
-                <a:ea typeface="Times New Roman"/>
-                <a:cs typeface="Times New Roman"/>
-                <a:sym typeface="Times New Roman"/>
-              </a:rPr>
-              <a:t>Метод теневых карт</a:t>
-            </a:r>
-            <a:endParaRPr sz="2600">
-              <a:latin typeface="Times New Roman"/>
-              <a:ea typeface="Times New Roman"/>
-              <a:cs typeface="Times New Roman"/>
-              <a:sym typeface="Times New Roman"/>
-            </a:endParaRPr>
-          </a:p>
-          <a:p>
-            <a:pPr indent="0" lvl="0" marL="0" rtl="0" algn="l">
-              <a:spcBef>
-                <a:spcPts val="0"/>
-              </a:spcBef>
-              <a:spcAft>
-                <a:spcPts val="0"/>
-              </a:spcAft>
-              <a:buNone/>
-            </a:pPr>
-            <a:r>
-              <a:t/>
-            </a:r>
-            <a:endParaRPr sz="2600">
-              <a:latin typeface="Times New Roman"/>
-              <a:ea typeface="Times New Roman"/>
-              <a:cs typeface="Times New Roman"/>
-              <a:sym typeface="Times New Roman"/>
-            </a:endParaRPr>
-          </a:p>
-          <a:p>
-            <a:pPr indent="0" lvl="0" marL="0" rtl="0" algn="l">
-              <a:spcBef>
-                <a:spcPts val="0"/>
-              </a:spcBef>
-              <a:spcAft>
-                <a:spcPts val="0"/>
-              </a:spcAft>
-              <a:buNone/>
-            </a:pPr>
-            <a:r>
-              <a:rPr lang="ru-RU" sz="2600">
-                <a:latin typeface="Times New Roman"/>
-                <a:ea typeface="Times New Roman"/>
-                <a:cs typeface="Times New Roman"/>
-                <a:sym typeface="Times New Roman"/>
-              </a:rPr>
-              <a:t>Метод теневых карт основывается на построении карты теней методом заполнения Z-буфера с точки зрения источника света и сравнения этого буфера с точки зрения камеры для правильного затенения пикселей.</a:t>
-            </a:r>
-            <a:endParaRPr sz="2600">
-              <a:latin typeface="Times New Roman"/>
-              <a:ea typeface="Times New Roman"/>
-              <a:cs typeface="Times New Roman"/>
-              <a:sym typeface="Times New Roman"/>
-            </a:endParaRPr>
-          </a:p>
-          <a:p>
-            <a:pPr indent="0" lvl="0" marL="0" rtl="0" algn="l">
-              <a:spcBef>
-                <a:spcPts val="0"/>
-              </a:spcBef>
-              <a:spcAft>
-                <a:spcPts val="0"/>
-              </a:spcAft>
-              <a:buNone/>
-            </a:pPr>
-            <a:r>
-              <a:t/>
-            </a:r>
-            <a:endParaRPr sz="2600">
-              <a:latin typeface="Times New Roman"/>
-              <a:ea typeface="Times New Roman"/>
-              <a:cs typeface="Times New Roman"/>
-              <a:sym typeface="Times New Roman"/>
-            </a:endParaRPr>
-          </a:p>
-          <a:p>
-            <a:pPr indent="0" lvl="0" marL="0" rtl="0" algn="l">
-              <a:spcBef>
-                <a:spcPts val="0"/>
-              </a:spcBef>
-              <a:spcAft>
-                <a:spcPts val="0"/>
-              </a:spcAft>
-              <a:buClr>
-                <a:schemeClr val="dk1"/>
-              </a:buClr>
-              <a:buSzPts val="1100"/>
-              <a:buFont typeface="Arial"/>
-              <a:buNone/>
-            </a:pPr>
-            <a:r>
-              <a:rPr lang="ru-RU" sz="2600">
-                <a:latin typeface="Times New Roman"/>
-                <a:ea typeface="Times New Roman"/>
-                <a:cs typeface="Times New Roman"/>
-                <a:sym typeface="Times New Roman"/>
-              </a:rPr>
-              <a:t>Метод теневых карт в сочетании с алгоритмом Z-буфера имеет свои преимущества и недостатки. К преимуществам можно отнести:</a:t>
-            </a:r>
-            <a:endParaRPr sz="2600">
-              <a:latin typeface="Times New Roman"/>
-              <a:ea typeface="Times New Roman"/>
-              <a:cs typeface="Times New Roman"/>
-              <a:sym typeface="Times New Roman"/>
-            </a:endParaRPr>
-          </a:p>
-          <a:p>
-            <a:pPr indent="0" lvl="0" marL="0" rtl="0" algn="l">
-              <a:spcBef>
-                <a:spcPts val="0"/>
-              </a:spcBef>
-              <a:spcAft>
-                <a:spcPts val="0"/>
-              </a:spcAft>
-              <a:buClr>
-                <a:schemeClr val="dk1"/>
-              </a:buClr>
-              <a:buSzPts val="1100"/>
-              <a:buFont typeface="Arial"/>
-              <a:buNone/>
-            </a:pPr>
-            <a:r>
-              <a:t/>
-            </a:r>
-            <a:endParaRPr sz="2600">
-              <a:latin typeface="Times New Roman"/>
-              <a:ea typeface="Times New Roman"/>
-              <a:cs typeface="Times New Roman"/>
-              <a:sym typeface="Times New Roman"/>
-            </a:endParaRPr>
-          </a:p>
-          <a:p>
-            <a:pPr indent="-393700" lvl="0" marL="457200" rtl="0" algn="l">
-              <a:spcBef>
-                <a:spcPts val="0"/>
-              </a:spcBef>
-              <a:spcAft>
-                <a:spcPts val="0"/>
-              </a:spcAft>
-              <a:buSzPts val="2600"/>
-              <a:buFont typeface="Times New Roman"/>
-              <a:buChar char="-"/>
-            </a:pPr>
-            <a:r>
-              <a:rPr lang="ru-RU" sz="2600">
-                <a:latin typeface="Times New Roman"/>
-                <a:ea typeface="Times New Roman"/>
-                <a:cs typeface="Times New Roman"/>
-                <a:sym typeface="Times New Roman"/>
-              </a:rPr>
-              <a:t>высокую производительность для динамических сцен;</a:t>
-            </a:r>
-            <a:endParaRPr sz="2600">
-              <a:latin typeface="Times New Roman"/>
-              <a:ea typeface="Times New Roman"/>
-              <a:cs typeface="Times New Roman"/>
-              <a:sym typeface="Times New Roman"/>
-            </a:endParaRPr>
-          </a:p>
-          <a:p>
-            <a:pPr indent="-393700" lvl="0" marL="457200" rtl="0" algn="l">
-              <a:spcBef>
-                <a:spcPts val="0"/>
-              </a:spcBef>
-              <a:spcAft>
-                <a:spcPts val="0"/>
-              </a:spcAft>
-              <a:buSzPts val="2600"/>
-              <a:buFont typeface="Times New Roman"/>
-              <a:buChar char="-"/>
-            </a:pPr>
-            <a:r>
-              <a:rPr lang="ru-RU" sz="2600">
-                <a:latin typeface="Times New Roman"/>
-                <a:ea typeface="Times New Roman"/>
-                <a:cs typeface="Times New Roman"/>
-                <a:sym typeface="Times New Roman"/>
-              </a:rPr>
-              <a:t>возможность создания реалистичных теней для сложных объектов.</a:t>
-            </a:r>
-            <a:endParaRPr sz="2600">
-              <a:latin typeface="Times New Roman"/>
-              <a:ea typeface="Times New Roman"/>
-              <a:cs typeface="Times New Roman"/>
-              <a:sym typeface="Times New Roman"/>
             </a:endParaRPr>
           </a:p>
         </p:txBody>
@@ -12566,8 +13026,8 @@
         </p:nvSpPr>
         <p:spPr>
           <a:xfrm>
-            <a:off x="-1929600" y="-155880"/>
-            <a:ext cx="10515240" cy="1325160"/>
+            <a:off x="255610" y="-72015"/>
+            <a:ext cx="10515300" cy="1325100"/>
           </a:xfrm>
           <a:prstGeom prst="rect">
             <a:avLst/>
@@ -12583,7 +13043,7 @@
           </a:bodyPr>
           <a:lstStyle/>
           <a:p>
-            <a:pPr indent="0" lvl="0" marL="0" rtl="0" algn="ctr">
+            <a:pPr indent="0" lvl="0" marL="0" rtl="0" algn="l">
               <a:lnSpc>
                 <a:spcPct val="90000"/>
               </a:lnSpc>
@@ -12600,18 +13060,6 @@
               <a:buFont typeface="Times New Roman"/>
               <a:buNone/>
             </a:pPr>
-            <a:r>
-              <a:rPr b="0" lang="ru-RU" sz="3600" strike="noStrike">
-                <a:solidFill>
-                  <a:schemeClr val="dk1"/>
-                </a:solidFill>
-                <a:latin typeface="Times New Roman"/>
-                <a:ea typeface="Times New Roman"/>
-                <a:cs typeface="Times New Roman"/>
-                <a:sym typeface="Times New Roman"/>
-              </a:rPr>
-              <a:t>Алгоритм </a:t>
-            </a:r>
             <a:r>
               <a:rPr lang="ru-RU" sz="3600">
                 <a:solidFill>
@@ -12622,7 +13070,7 @@
                 <a:cs typeface="Times New Roman"/>
                 <a:sym typeface="Times New Roman"/>
               </a:rPr>
-              <a:t>генерации сцены</a:t>
+              <a:t>Метод построения теней</a:t>
             </a:r>
             <a:endParaRPr b="0" sz="3600" strike="noStrike">
               <a:solidFill>
@@ -12646,7 +13094,7 @@
         </p:nvSpPr>
         <p:spPr>
           <a:xfrm>
-            <a:off x="9220320" y="6348960"/>
+            <a:off x="9118440" y="6370920"/>
             <a:ext cx="2742840" cy="364680"/>
           </a:xfrm>
           <a:prstGeom prst="rect">
@@ -12680,7 +13128,7 @@
               <a:buFont typeface="Arial"/>
               <a:buNone/>
             </a:pPr>
-            <a:r>
+            <a:fld id="{00000000-1234-1234-1234-123412341234}" type="slidenum">
               <a:rPr b="0" i="0" lang="ru-RU" sz="2200" u="none" cap="none" strike="noStrike">
                 <a:solidFill>
                   <a:srgbClr val="757575"/>
@@ -12690,8 +13138,8 @@
                 <a:cs typeface="Arial"/>
                 <a:sym typeface="Arial"/>
               </a:rPr>
-              <a:t>6</a:t>
-            </a:r>
+              <a:t>‹#›</a:t>
+            </a:fld>
             <a:endParaRPr b="0" i="0" sz="2200" u="none" cap="none" strike="noStrike">
               <a:solidFill>
                 <a:srgbClr val="000000"/>
@@ -12712,8 +13160,8 @@
         </p:nvSpPr>
         <p:spPr>
           <a:xfrm>
-            <a:off x="636575" y="1086425"/>
-            <a:ext cx="10023900" cy="5262600"/>
+            <a:off x="390425" y="899700"/>
+            <a:ext cx="10626600" cy="5287800"/>
           </a:xfrm>
           <a:prstGeom prst="rect">
             <a:avLst/>
@@ -12739,15 +13187,15 @@
               <a:buNone/>
             </a:pPr>
             <a:r>
-              <a:rPr lang="ru-RU" sz="2400">
+              <a:rPr lang="ru-RU" sz="2600">
                 <a:latin typeface="Times New Roman"/>
                 <a:ea typeface="Times New Roman"/>
                 <a:cs typeface="Times New Roman"/>
                 <a:sym typeface="Times New Roman"/>
               </a:rPr>
-              <a:t>Алгоритм квантового коллапса волновой функции</a:t>
+              <a:t>Метод теневых карт</a:t>
             </a:r>
-            <a:endParaRPr sz="2400">
+            <a:endParaRPr sz="2600">
               <a:latin typeface="Times New Roman"/>
               <a:ea typeface="Times New Roman"/>
               <a:cs typeface="Times New Roman"/>
@@ -12767,7 +13215,7 @@
             <a:r>
               <a:t/>
             </a:r>
-            <a:endParaRPr sz="2400">
+            <a:endParaRPr sz="2600">
               <a:latin typeface="Times New Roman"/>
               <a:ea typeface="Times New Roman"/>
               <a:cs typeface="Times New Roman"/>
@@ -12785,15 +13233,15 @@
               <a:buNone/>
             </a:pPr>
             <a:r>
-              <a:rPr lang="ru-RU" sz="2400">
+              <a:rPr lang="ru-RU" sz="2600">
                 <a:latin typeface="Times New Roman"/>
                 <a:ea typeface="Times New Roman"/>
                 <a:cs typeface="Times New Roman"/>
                 <a:sym typeface="Times New Roman"/>
               </a:rPr>
-              <a:t>Это метод генерации контента, который используется для создания двумерных и трёхмерных структур, таких как уровни в видеоиграх, текстуры и другие элементы. Он был разработан Максимом Гуминым и основан на концепциях из квантовой механики, хотя и не имеет прямого отношения к физике.</a:t>
+              <a:t>Метод теневых карт основывается на построении карты теней методом заполнения Z-буфера с точки зрения источника света и сравнения этого буфера с точки зрения камеры для правильного затенения пикселей.</a:t>
             </a:r>
-            <a:endParaRPr sz="2400">
+            <a:endParaRPr sz="2600">
               <a:latin typeface="Times New Roman"/>
               <a:ea typeface="Times New Roman"/>
               <a:cs typeface="Times New Roman"/>
@@ -12813,7 +13261,7 @@
             <a:r>
               <a:t/>
             </a:r>
-            <a:endParaRPr sz="2400">
+            <a:endParaRPr sz="2600">
               <a:latin typeface="Times New Roman"/>
               <a:ea typeface="Times New Roman"/>
               <a:cs typeface="Times New Roman"/>
@@ -12828,18 +13276,104 @@
               <a:spcAft>
                 <a:spcPts val="0"/>
               </a:spcAft>
+              <a:buClr>
+                <a:schemeClr val="dk1"/>
+              </a:buClr>
+              <a:buSzPts val="1100"/>
+              <a:buFont typeface="Arial"/>
               <a:buNone/>
             </a:pPr>
             <a:r>
-              <a:rPr lang="ru-RU" sz="2400">
+              <a:rPr lang="ru-RU" sz="2600">
                 <a:latin typeface="Times New Roman"/>
                 <a:ea typeface="Times New Roman"/>
                 <a:cs typeface="Times New Roman"/>
                 <a:sym typeface="Times New Roman"/>
               </a:rPr>
-              <a:t>Этот алгоритм подходит для выполнения поставленной задачи (генерации загородного посёлка), так как он позволяет нам заполнить заданную плоскость в соответствии с ограничениями, а также предоставляет возможность влиять на результат посредством коэффициентов, которые можно задавать в пользовательском интерфейсе.</a:t>
+              <a:t>Метод теневых карт в сочетании с алгоритмом Z-буфера имеет свои преимущества и недостатки. К преимуществам можно отнести:</a:t>
             </a:r>
-            <a:endParaRPr sz="2400">
+            <a:endParaRPr sz="2600">
+              <a:latin typeface="Times New Roman"/>
+              <a:ea typeface="Times New Roman"/>
+              <a:cs typeface="Times New Roman"/>
+              <a:sym typeface="Times New Roman"/>
+            </a:endParaRPr>
+          </a:p>
+          <a:p>
+            <a:pPr indent="0" lvl="0" marL="0" rtl="0" algn="l">
+              <a:spcBef>
+                <a:spcPts val="0"/>
+              </a:spcBef>
+              <a:spcAft>
+                <a:spcPts val="0"/>
+              </a:spcAft>
+              <a:buClr>
+                <a:schemeClr val="dk1"/>
+              </a:buClr>
+              <a:buSzPts val="1100"/>
+              <a:buFont typeface="Arial"/>
+              <a:buNone/>
+            </a:pPr>
+            <a:r>
+              <a:t/>
+            </a:r>
+            <a:endParaRPr sz="2600">
+              <a:latin typeface="Times New Roman"/>
+              <a:ea typeface="Times New Roman"/>
+              <a:cs typeface="Times New Roman"/>
+              <a:sym typeface="Times New Roman"/>
+            </a:endParaRPr>
+          </a:p>
+          <a:p>
+            <a:pPr indent="-393700" lvl="0" marL="457200" rtl="0" algn="l">
+              <a:spcBef>
+                <a:spcPts val="0"/>
+              </a:spcBef>
+              <a:spcAft>
+                <a:spcPts val="0"/>
+              </a:spcAft>
+              <a:buSzPts val="2600"/>
+              <a:buFont typeface="Times New Roman"/>
+              <a:buChar char="-"/>
+            </a:pPr>
+            <a:r>
+              <a:rPr lang="ru-RU" sz="2600">
+                <a:latin typeface="Times New Roman"/>
+                <a:ea typeface="Times New Roman"/>
+                <a:cs typeface="Times New Roman"/>
+                <a:sym typeface="Times New Roman"/>
+              </a:rPr>
+              <a:t>высокую производительность для динамических сцен;</a:t>
+            </a:r>
+            <a:endParaRPr sz="2600">
+              <a:latin typeface="Times New Roman"/>
+              <a:ea typeface="Times New Roman"/>
+              <a:cs typeface="Times New Roman"/>
+              <a:sym typeface="Times New Roman"/>
+            </a:endParaRPr>
+          </a:p>
+          <a:p>
+            <a:pPr indent="-393700" lvl="0" marL="457200" rtl="0" algn="l">
+              <a:spcBef>
+                <a:spcPts val="0"/>
+              </a:spcBef>
+              <a:spcAft>
+                <a:spcPts val="0"/>
+              </a:spcAft>
+              <a:buSzPts val="2600"/>
+              <a:buFont typeface="Times New Roman"/>
+              <a:buChar char="-"/>
+            </a:pPr>
+            <a:r>
+              <a:rPr lang="ru-RU" sz="2600">
+                <a:latin typeface="Times New Roman"/>
+                <a:ea typeface="Times New Roman"/>
+                <a:cs typeface="Times New Roman"/>
+                <a:sym typeface="Times New Roman"/>
+              </a:rPr>
+              <a:t>возможность создания реалистичных теней для сложных объектов.</a:t>
+            </a:r>
+            <a:endParaRPr sz="2600">
               <a:latin typeface="Times New Roman"/>
               <a:ea typeface="Times New Roman"/>
               <a:cs typeface="Times New Roman"/>
@@ -12883,6 +13417,810 @@
         </p:nvSpPr>
         <p:spPr>
           <a:xfrm>
+            <a:off x="838080" y="365040"/>
+            <a:ext cx="10515300" cy="1325100"/>
+          </a:xfrm>
+          <a:prstGeom prst="rect">
+            <a:avLst/>
+          </a:prstGeom>
+        </p:spPr>
+        <p:txBody>
+          <a:bodyPr anchorCtr="0" anchor="ctr" bIns="0" lIns="0" spcFirstLastPara="1" rIns="0" wrap="square" tIns="0">
+            <a:noAutofit/>
+          </a:bodyPr>
+          <a:lstStyle/>
+          <a:p>
+            <a:pPr indent="0" lvl="0" marL="0" rtl="0" algn="l">
+              <a:spcBef>
+                <a:spcPts val="0"/>
+              </a:spcBef>
+              <a:spcAft>
+                <a:spcPts val="0"/>
+              </a:spcAft>
+              <a:buNone/>
+            </a:pPr>
+            <a:r>
+              <a:rPr lang="ru-RU" sz="3600">
+                <a:latin typeface="Times New Roman"/>
+                <a:ea typeface="Times New Roman"/>
+                <a:cs typeface="Times New Roman"/>
+                <a:sym typeface="Times New Roman"/>
+              </a:rPr>
+              <a:t>Формулы</a:t>
+            </a:r>
+            <a:endParaRPr sz="3600">
+              <a:latin typeface="Times New Roman"/>
+              <a:ea typeface="Times New Roman"/>
+              <a:cs typeface="Times New Roman"/>
+              <a:sym typeface="Times New Roman"/>
+            </a:endParaRPr>
+          </a:p>
+        </p:txBody>
+      </p:sp>
+      <p:sp>
+        <p:nvSpPr>
+          <p:cNvPr id="79" name="Google Shape;79;p11"/>
+          <p:cNvSpPr txBox="1"/>
+          <p:nvPr>
+            <p:ph idx="1" type="body"/>
+          </p:nvPr>
+        </p:nvSpPr>
+        <p:spPr>
+          <a:xfrm>
+            <a:off x="838075" y="1825550"/>
+            <a:ext cx="4392900" cy="4350900"/>
+          </a:xfrm>
+          <a:prstGeom prst="rect">
+            <a:avLst/>
+          </a:prstGeom>
+        </p:spPr>
+        <p:txBody>
+          <a:bodyPr anchorCtr="0" anchor="t" bIns="0" lIns="0" spcFirstLastPara="1" rIns="0" wrap="square" tIns="0">
+            <a:normAutofit fontScale="85000" lnSpcReduction="20000"/>
+          </a:bodyPr>
+          <a:lstStyle/>
+          <a:p>
+            <a:pPr indent="0" lvl="0" marL="0" rtl="0" algn="l">
+              <a:spcBef>
+                <a:spcPts val="0"/>
+              </a:spcBef>
+              <a:spcAft>
+                <a:spcPts val="0"/>
+              </a:spcAft>
+              <a:buNone/>
+            </a:pPr>
+            <a:r>
+              <a:rPr lang="ru-RU">
+                <a:latin typeface="Times New Roman"/>
+                <a:ea typeface="Times New Roman"/>
+                <a:cs typeface="Times New Roman"/>
+                <a:sym typeface="Times New Roman"/>
+              </a:rPr>
+              <a:t>Формулы вычисления цветов затенённого пикселя</a:t>
+            </a:r>
+            <a:endParaRPr>
+              <a:latin typeface="Times New Roman"/>
+              <a:ea typeface="Times New Roman"/>
+              <a:cs typeface="Times New Roman"/>
+              <a:sym typeface="Times New Roman"/>
+            </a:endParaRPr>
+          </a:p>
+          <a:p>
+            <a:pPr indent="0" lvl="0" marL="0" rtl="0" algn="l">
+              <a:spcBef>
+                <a:spcPts val="0"/>
+              </a:spcBef>
+              <a:spcAft>
+                <a:spcPts val="0"/>
+              </a:spcAft>
+              <a:buNone/>
+            </a:pPr>
+            <a:r>
+              <a:t/>
+            </a:r>
+            <a:endParaRPr>
+              <a:latin typeface="Times New Roman"/>
+              <a:ea typeface="Times New Roman"/>
+              <a:cs typeface="Times New Roman"/>
+              <a:sym typeface="Times New Roman"/>
+            </a:endParaRPr>
+          </a:p>
+          <a:p>
+            <a:pPr indent="0" lvl="0" marL="0" rtl="0" algn="l">
+              <a:spcBef>
+                <a:spcPts val="0"/>
+              </a:spcBef>
+              <a:spcAft>
+                <a:spcPts val="0"/>
+              </a:spcAft>
+              <a:buNone/>
+            </a:pPr>
+            <a:r>
+              <a:t/>
+            </a:r>
+            <a:endParaRPr>
+              <a:latin typeface="Times New Roman"/>
+              <a:ea typeface="Times New Roman"/>
+              <a:cs typeface="Times New Roman"/>
+              <a:sym typeface="Times New Roman"/>
+            </a:endParaRPr>
+          </a:p>
+          <a:p>
+            <a:pPr indent="0" lvl="0" marL="0" rtl="0" algn="l">
+              <a:spcBef>
+                <a:spcPts val="0"/>
+              </a:spcBef>
+              <a:spcAft>
+                <a:spcPts val="0"/>
+              </a:spcAft>
+              <a:buNone/>
+            </a:pPr>
+            <a:r>
+              <a:t/>
+            </a:r>
+            <a:endParaRPr>
+              <a:latin typeface="Times New Roman"/>
+              <a:ea typeface="Times New Roman"/>
+              <a:cs typeface="Times New Roman"/>
+              <a:sym typeface="Times New Roman"/>
+            </a:endParaRPr>
+          </a:p>
+          <a:p>
+            <a:pPr indent="0" lvl="0" marL="0" rtl="0" algn="l">
+              <a:spcBef>
+                <a:spcPts val="0"/>
+              </a:spcBef>
+              <a:spcAft>
+                <a:spcPts val="0"/>
+              </a:spcAft>
+              <a:buNone/>
+            </a:pPr>
+            <a:r>
+              <a:t/>
+            </a:r>
+            <a:endParaRPr>
+              <a:latin typeface="Times New Roman"/>
+              <a:ea typeface="Times New Roman"/>
+              <a:cs typeface="Times New Roman"/>
+              <a:sym typeface="Times New Roman"/>
+            </a:endParaRPr>
+          </a:p>
+          <a:p>
+            <a:pPr indent="0" lvl="0" marL="0" rtl="0" algn="l">
+              <a:spcBef>
+                <a:spcPts val="0"/>
+              </a:spcBef>
+              <a:spcAft>
+                <a:spcPts val="0"/>
+              </a:spcAft>
+              <a:buNone/>
+            </a:pPr>
+            <a:r>
+              <a:t/>
+            </a:r>
+            <a:endParaRPr>
+              <a:latin typeface="Times New Roman"/>
+              <a:ea typeface="Times New Roman"/>
+              <a:cs typeface="Times New Roman"/>
+              <a:sym typeface="Times New Roman"/>
+            </a:endParaRPr>
+          </a:p>
+          <a:p>
+            <a:pPr indent="0" lvl="0" marL="0" rtl="0" algn="l">
+              <a:spcBef>
+                <a:spcPts val="0"/>
+              </a:spcBef>
+              <a:spcAft>
+                <a:spcPts val="0"/>
+              </a:spcAft>
+              <a:buNone/>
+            </a:pPr>
+            <a:r>
+              <a:t/>
+            </a:r>
+            <a:endParaRPr>
+              <a:latin typeface="Times New Roman"/>
+              <a:ea typeface="Times New Roman"/>
+              <a:cs typeface="Times New Roman"/>
+              <a:sym typeface="Times New Roman"/>
+            </a:endParaRPr>
+          </a:p>
+          <a:p>
+            <a:pPr indent="0" lvl="0" marL="0" rtl="0" algn="l">
+              <a:spcBef>
+                <a:spcPts val="0"/>
+              </a:spcBef>
+              <a:spcAft>
+                <a:spcPts val="0"/>
+              </a:spcAft>
+              <a:buNone/>
+            </a:pPr>
+            <a:r>
+              <a:t/>
+            </a:r>
+            <a:endParaRPr>
+              <a:latin typeface="Times New Roman"/>
+              <a:ea typeface="Times New Roman"/>
+              <a:cs typeface="Times New Roman"/>
+              <a:sym typeface="Times New Roman"/>
+            </a:endParaRPr>
+          </a:p>
+          <a:p>
+            <a:pPr indent="0" lvl="0" marL="0" rtl="0" algn="l">
+              <a:spcBef>
+                <a:spcPts val="0"/>
+              </a:spcBef>
+              <a:spcAft>
+                <a:spcPts val="0"/>
+              </a:spcAft>
+              <a:buNone/>
+            </a:pPr>
+            <a:r>
+              <a:t/>
+            </a:r>
+            <a:endParaRPr>
+              <a:latin typeface="Times New Roman"/>
+              <a:ea typeface="Times New Roman"/>
+              <a:cs typeface="Times New Roman"/>
+              <a:sym typeface="Times New Roman"/>
+            </a:endParaRPr>
+          </a:p>
+          <a:p>
+            <a:pPr indent="0" lvl="0" marL="0" rtl="0" algn="l">
+              <a:spcBef>
+                <a:spcPts val="0"/>
+              </a:spcBef>
+              <a:spcAft>
+                <a:spcPts val="0"/>
+              </a:spcAft>
+              <a:buNone/>
+            </a:pPr>
+            <a:r>
+              <a:t/>
+            </a:r>
+            <a:endParaRPr>
+              <a:latin typeface="Times New Roman"/>
+              <a:ea typeface="Times New Roman"/>
+              <a:cs typeface="Times New Roman"/>
+              <a:sym typeface="Times New Roman"/>
+            </a:endParaRPr>
+          </a:p>
+          <a:p>
+            <a:pPr indent="0" lvl="0" marL="0" rtl="0" algn="l">
+              <a:spcBef>
+                <a:spcPts val="0"/>
+              </a:spcBef>
+              <a:spcAft>
+                <a:spcPts val="0"/>
+              </a:spcAft>
+              <a:buNone/>
+            </a:pPr>
+            <a:r>
+              <a:t/>
+            </a:r>
+            <a:endParaRPr>
+              <a:latin typeface="Times New Roman"/>
+              <a:ea typeface="Times New Roman"/>
+              <a:cs typeface="Times New Roman"/>
+              <a:sym typeface="Times New Roman"/>
+            </a:endParaRPr>
+          </a:p>
+          <a:p>
+            <a:pPr indent="0" lvl="0" marL="0" rtl="0" algn="l">
+              <a:spcBef>
+                <a:spcPts val="0"/>
+              </a:spcBef>
+              <a:spcAft>
+                <a:spcPts val="0"/>
+              </a:spcAft>
+              <a:buNone/>
+            </a:pPr>
+            <a:r>
+              <a:t/>
+            </a:r>
+            <a:endParaRPr>
+              <a:latin typeface="Times New Roman"/>
+              <a:ea typeface="Times New Roman"/>
+              <a:cs typeface="Times New Roman"/>
+              <a:sym typeface="Times New Roman"/>
+            </a:endParaRPr>
+          </a:p>
+          <a:p>
+            <a:pPr indent="0" lvl="0" marL="0" rtl="0" algn="l">
+              <a:spcBef>
+                <a:spcPts val="0"/>
+              </a:spcBef>
+              <a:spcAft>
+                <a:spcPts val="0"/>
+              </a:spcAft>
+              <a:buNone/>
+            </a:pPr>
+            <a:r>
+              <a:t/>
+            </a:r>
+            <a:endParaRPr>
+              <a:latin typeface="Times New Roman"/>
+              <a:ea typeface="Times New Roman"/>
+              <a:cs typeface="Times New Roman"/>
+              <a:sym typeface="Times New Roman"/>
+            </a:endParaRPr>
+          </a:p>
+          <a:p>
+            <a:pPr indent="0" lvl="0" marL="0" rtl="0" algn="l">
+              <a:spcBef>
+                <a:spcPts val="0"/>
+              </a:spcBef>
+              <a:spcAft>
+                <a:spcPts val="0"/>
+              </a:spcAft>
+              <a:buClr>
+                <a:schemeClr val="dk1"/>
+              </a:buClr>
+              <a:buSzPct val="61111"/>
+              <a:buFont typeface="Arial"/>
+              <a:buNone/>
+            </a:pPr>
+            <a:r>
+              <a:rPr lang="ru-RU">
+                <a:latin typeface="Times New Roman"/>
+                <a:ea typeface="Times New Roman"/>
+                <a:cs typeface="Times New Roman"/>
+                <a:sym typeface="Times New Roman"/>
+              </a:rPr>
+              <a:t>, где r1, g1, b1 — значения интенсивности красного, зелёного и синего каналов цвета</a:t>
+            </a:r>
+            <a:endParaRPr>
+              <a:latin typeface="Times New Roman"/>
+              <a:ea typeface="Times New Roman"/>
+              <a:cs typeface="Times New Roman"/>
+              <a:sym typeface="Times New Roman"/>
+            </a:endParaRPr>
+          </a:p>
+          <a:p>
+            <a:pPr indent="0" lvl="0" marL="0" rtl="0" algn="l">
+              <a:spcBef>
+                <a:spcPts val="0"/>
+              </a:spcBef>
+              <a:spcAft>
+                <a:spcPts val="0"/>
+              </a:spcAft>
+              <a:buClr>
+                <a:schemeClr val="dk1"/>
+              </a:buClr>
+              <a:buSzPct val="61111"/>
+              <a:buFont typeface="Arial"/>
+              <a:buNone/>
+            </a:pPr>
+            <a:r>
+              <a:rPr lang="ru-RU">
+                <a:latin typeface="Times New Roman"/>
+                <a:ea typeface="Times New Roman"/>
+                <a:cs typeface="Times New Roman"/>
+                <a:sym typeface="Times New Roman"/>
+              </a:rPr>
+              <a:t>пикселя после затенения соответственно; p — коэффициент затенения; r, g, b — значения ин-</a:t>
+            </a:r>
+            <a:endParaRPr>
+              <a:latin typeface="Times New Roman"/>
+              <a:ea typeface="Times New Roman"/>
+              <a:cs typeface="Times New Roman"/>
+              <a:sym typeface="Times New Roman"/>
+            </a:endParaRPr>
+          </a:p>
+          <a:p>
+            <a:pPr indent="0" lvl="0" marL="0" rtl="0" algn="l">
+              <a:spcBef>
+                <a:spcPts val="0"/>
+              </a:spcBef>
+              <a:spcAft>
+                <a:spcPts val="0"/>
+              </a:spcAft>
+              <a:buClr>
+                <a:schemeClr val="dk1"/>
+              </a:buClr>
+              <a:buSzPct val="61111"/>
+              <a:buFont typeface="Arial"/>
+              <a:buNone/>
+            </a:pPr>
+            <a:r>
+              <a:rPr lang="ru-RU">
+                <a:latin typeface="Times New Roman"/>
+                <a:ea typeface="Times New Roman"/>
+                <a:cs typeface="Times New Roman"/>
+                <a:sym typeface="Times New Roman"/>
+              </a:rPr>
+              <a:t>тенсивности красного, зелёного и синего каналов цвета исходного пикселя соответственно.</a:t>
+            </a:r>
+            <a:endParaRPr>
+              <a:latin typeface="Times New Roman"/>
+              <a:ea typeface="Times New Roman"/>
+              <a:cs typeface="Times New Roman"/>
+              <a:sym typeface="Times New Roman"/>
+            </a:endParaRPr>
+          </a:p>
+          <a:p>
+            <a:pPr indent="0" lvl="0" marL="0" rtl="0" algn="l">
+              <a:spcBef>
+                <a:spcPts val="0"/>
+              </a:spcBef>
+              <a:spcAft>
+                <a:spcPts val="0"/>
+              </a:spcAft>
+              <a:buNone/>
+            </a:pPr>
+            <a:r>
+              <a:rPr lang="ru-RU">
+                <a:latin typeface="Times New Roman"/>
+                <a:ea typeface="Times New Roman"/>
+                <a:cs typeface="Times New Roman"/>
+                <a:sym typeface="Times New Roman"/>
+              </a:rPr>
+              <a:t>В данной работе был выбран коэффициент затенения p = 0.4.</a:t>
+            </a:r>
+            <a:endParaRPr>
+              <a:latin typeface="Times New Roman"/>
+              <a:ea typeface="Times New Roman"/>
+              <a:cs typeface="Times New Roman"/>
+              <a:sym typeface="Times New Roman"/>
+            </a:endParaRPr>
+          </a:p>
+        </p:txBody>
+      </p:sp>
+      <p:sp>
+        <p:nvSpPr>
+          <p:cNvPr id="80" name="Google Shape;80;p11"/>
+          <p:cNvSpPr txBox="1"/>
+          <p:nvPr/>
+        </p:nvSpPr>
+        <p:spPr>
+          <a:xfrm>
+            <a:off x="6297550" y="1765725"/>
+            <a:ext cx="5411700" cy="632700"/>
+          </a:xfrm>
+          <a:prstGeom prst="rect">
+            <a:avLst/>
+          </a:prstGeom>
+          <a:noFill/>
+          <a:ln>
+            <a:noFill/>
+          </a:ln>
+        </p:spPr>
+        <p:txBody>
+          <a:bodyPr anchorCtr="0" anchor="t" bIns="91425" lIns="91425" spcFirstLastPara="1" rIns="91425" wrap="square" tIns="91425">
+            <a:noAutofit/>
+          </a:bodyPr>
+          <a:lstStyle/>
+          <a:p>
+            <a:pPr indent="0" lvl="0" marL="0" rtl="0" algn="l">
+              <a:spcBef>
+                <a:spcPts val="0"/>
+              </a:spcBef>
+              <a:spcAft>
+                <a:spcPts val="0"/>
+              </a:spcAft>
+              <a:buNone/>
+            </a:pPr>
+            <a:r>
+              <a:rPr lang="ru-RU" sz="1800">
+                <a:latin typeface="Times New Roman"/>
+                <a:ea typeface="Times New Roman"/>
+                <a:cs typeface="Times New Roman"/>
+                <a:sym typeface="Times New Roman"/>
+              </a:rPr>
+              <a:t>Формула итерационного вычисления координаты z на сканирующей строке</a:t>
+            </a:r>
+            <a:endParaRPr sz="1800">
+              <a:latin typeface="Times New Roman"/>
+              <a:ea typeface="Times New Roman"/>
+              <a:cs typeface="Times New Roman"/>
+              <a:sym typeface="Times New Roman"/>
+            </a:endParaRPr>
+          </a:p>
+          <a:p>
+            <a:pPr indent="0" lvl="0" marL="0" rtl="0" algn="l">
+              <a:spcBef>
+                <a:spcPts val="0"/>
+              </a:spcBef>
+              <a:spcAft>
+                <a:spcPts val="0"/>
+              </a:spcAft>
+              <a:buNone/>
+            </a:pPr>
+            <a:r>
+              <a:t/>
+            </a:r>
+            <a:endParaRPr sz="1800">
+              <a:latin typeface="Times New Roman"/>
+              <a:ea typeface="Times New Roman"/>
+              <a:cs typeface="Times New Roman"/>
+              <a:sym typeface="Times New Roman"/>
+            </a:endParaRPr>
+          </a:p>
+          <a:p>
+            <a:pPr indent="0" lvl="0" marL="0" rtl="0" algn="l">
+              <a:spcBef>
+                <a:spcPts val="0"/>
+              </a:spcBef>
+              <a:spcAft>
+                <a:spcPts val="0"/>
+              </a:spcAft>
+              <a:buNone/>
+            </a:pPr>
+            <a:r>
+              <a:t/>
+            </a:r>
+            <a:endParaRPr sz="1800">
+              <a:latin typeface="Times New Roman"/>
+              <a:ea typeface="Times New Roman"/>
+              <a:cs typeface="Times New Roman"/>
+              <a:sym typeface="Times New Roman"/>
+            </a:endParaRPr>
+          </a:p>
+          <a:p>
+            <a:pPr indent="0" lvl="0" marL="0" rtl="0" algn="l">
+              <a:spcBef>
+                <a:spcPts val="0"/>
+              </a:spcBef>
+              <a:spcAft>
+                <a:spcPts val="0"/>
+              </a:spcAft>
+              <a:buNone/>
+            </a:pPr>
+            <a:r>
+              <a:t/>
+            </a:r>
+            <a:endParaRPr sz="1800">
+              <a:latin typeface="Times New Roman"/>
+              <a:ea typeface="Times New Roman"/>
+              <a:cs typeface="Times New Roman"/>
+              <a:sym typeface="Times New Roman"/>
+            </a:endParaRPr>
+          </a:p>
+          <a:p>
+            <a:pPr indent="0" lvl="0" marL="0" rtl="0" algn="l">
+              <a:spcBef>
+                <a:spcPts val="0"/>
+              </a:spcBef>
+              <a:spcAft>
+                <a:spcPts val="0"/>
+              </a:spcAft>
+              <a:buNone/>
+            </a:pPr>
+            <a:r>
+              <a:t/>
+            </a:r>
+            <a:endParaRPr sz="1800">
+              <a:latin typeface="Times New Roman"/>
+              <a:ea typeface="Times New Roman"/>
+              <a:cs typeface="Times New Roman"/>
+              <a:sym typeface="Times New Roman"/>
+            </a:endParaRPr>
+          </a:p>
+          <a:p>
+            <a:pPr indent="0" lvl="0" marL="0" rtl="0" algn="l">
+              <a:spcBef>
+                <a:spcPts val="0"/>
+              </a:spcBef>
+              <a:spcAft>
+                <a:spcPts val="0"/>
+              </a:spcAft>
+              <a:buNone/>
+            </a:pPr>
+            <a:r>
+              <a:t/>
+            </a:r>
+            <a:endParaRPr sz="1800">
+              <a:latin typeface="Times New Roman"/>
+              <a:ea typeface="Times New Roman"/>
+              <a:cs typeface="Times New Roman"/>
+              <a:sym typeface="Times New Roman"/>
+            </a:endParaRPr>
+          </a:p>
+          <a:p>
+            <a:pPr indent="0" lvl="0" marL="0" rtl="0" algn="l">
+              <a:spcBef>
+                <a:spcPts val="0"/>
+              </a:spcBef>
+              <a:spcAft>
+                <a:spcPts val="0"/>
+              </a:spcAft>
+              <a:buNone/>
+            </a:pPr>
+            <a:r>
+              <a:t/>
+            </a:r>
+            <a:endParaRPr sz="1800">
+              <a:latin typeface="Times New Roman"/>
+              <a:ea typeface="Times New Roman"/>
+              <a:cs typeface="Times New Roman"/>
+              <a:sym typeface="Times New Roman"/>
+            </a:endParaRPr>
+          </a:p>
+          <a:p>
+            <a:pPr indent="0" lvl="0" marL="0" rtl="0" algn="l">
+              <a:spcBef>
+                <a:spcPts val="0"/>
+              </a:spcBef>
+              <a:spcAft>
+                <a:spcPts val="0"/>
+              </a:spcAft>
+              <a:buNone/>
+            </a:pPr>
+            <a:r>
+              <a:rPr lang="ru-RU" sz="1800">
+                <a:latin typeface="Times New Roman"/>
+                <a:ea typeface="Times New Roman"/>
+                <a:cs typeface="Times New Roman"/>
+                <a:sym typeface="Times New Roman"/>
+              </a:rPr>
+              <a:t>Где a и c — коэффициенты уравнения плоскости при x и z из уравнения плоскости.</a:t>
+            </a:r>
+            <a:endParaRPr sz="1800">
+              <a:latin typeface="Times New Roman"/>
+              <a:ea typeface="Times New Roman"/>
+              <a:cs typeface="Times New Roman"/>
+              <a:sym typeface="Times New Roman"/>
+            </a:endParaRPr>
+          </a:p>
+        </p:txBody>
+      </p:sp>
+      <p:pic>
+        <p:nvPicPr>
+          <p:cNvPr id="81" name="Google Shape;81;p11"/>
+          <p:cNvPicPr preferRelativeResize="0"/>
+          <p:nvPr/>
+        </p:nvPicPr>
+        <p:blipFill rotWithShape="1">
+          <a:blip r:embed="rId3">
+            <a:alphaModFix/>
+          </a:blip>
+          <a:srcRect b="0" l="0" r="0" t="3044"/>
+          <a:stretch/>
+        </p:blipFill>
+        <p:spPr>
+          <a:xfrm>
+            <a:off x="838075" y="2175450"/>
+            <a:ext cx="2006224" cy="1892275"/>
+          </a:xfrm>
+          <a:prstGeom prst="rect">
+            <a:avLst/>
+          </a:prstGeom>
+          <a:noFill/>
+          <a:ln>
+            <a:noFill/>
+          </a:ln>
+        </p:spPr>
+      </p:pic>
+      <p:pic>
+        <p:nvPicPr>
+          <p:cNvPr id="82" name="Google Shape;82;p11"/>
+          <p:cNvPicPr preferRelativeResize="0"/>
+          <p:nvPr/>
+        </p:nvPicPr>
+        <p:blipFill rotWithShape="1">
+          <a:blip r:embed="rId4">
+            <a:alphaModFix/>
+          </a:blip>
+          <a:srcRect b="0" l="0" r="0" t="5669"/>
+          <a:stretch/>
+        </p:blipFill>
+        <p:spPr>
+          <a:xfrm>
+            <a:off x="7591125" y="2531075"/>
+            <a:ext cx="2824550" cy="1449875"/>
+          </a:xfrm>
+          <a:prstGeom prst="rect">
+            <a:avLst/>
+          </a:prstGeom>
+          <a:noFill/>
+          <a:ln>
+            <a:noFill/>
+          </a:ln>
+        </p:spPr>
+      </p:pic>
+      <p:sp>
+        <p:nvSpPr>
+          <p:cNvPr id="83" name="Google Shape;83;p11"/>
+          <p:cNvSpPr txBox="1"/>
+          <p:nvPr>
+            <p:ph idx="12" type="sldNum"/>
+          </p:nvPr>
+        </p:nvSpPr>
+        <p:spPr>
+          <a:xfrm>
+            <a:off x="9118440" y="6370920"/>
+            <a:ext cx="2742900" cy="364800"/>
+          </a:xfrm>
+          <a:prstGeom prst="rect">
+            <a:avLst/>
+          </a:prstGeom>
+          <a:noFill/>
+          <a:ln>
+            <a:noFill/>
+          </a:ln>
+        </p:spPr>
+        <p:txBody>
+          <a:bodyPr anchorCtr="0" anchor="ctr" bIns="45700" lIns="91425" spcFirstLastPara="1" rIns="91425" wrap="square" tIns="45700">
+            <a:noAutofit/>
+          </a:bodyPr>
+          <a:lstStyle/>
+          <a:p>
+            <a:pPr indent="0" lvl="0" marL="0" marR="0" rtl="0" algn="r">
+              <a:lnSpc>
+                <a:spcPct val="100000"/>
+              </a:lnSpc>
+              <a:spcBef>
+                <a:spcPts val="0"/>
+              </a:spcBef>
+              <a:spcAft>
+                <a:spcPts val="0"/>
+              </a:spcAft>
+              <a:buClr>
+                <a:srgbClr val="757575"/>
+              </a:buClr>
+              <a:buSzPts val="2200"/>
+              <a:buFont typeface="Arial"/>
+              <a:buNone/>
+            </a:pPr>
+            <a:fld id="{00000000-1234-1234-1234-123412341234}" type="slidenum">
+              <a:rPr b="0" i="0" lang="ru-RU" sz="2200" u="none" cap="none" strike="noStrike">
+                <a:solidFill>
+                  <a:srgbClr val="757575"/>
+                </a:solidFill>
+                <a:latin typeface="Arial"/>
+                <a:ea typeface="Arial"/>
+                <a:cs typeface="Arial"/>
+                <a:sym typeface="Arial"/>
+              </a:rPr>
+              <a:t>‹#›</a:t>
+            </a:fld>
+            <a:endParaRPr b="0" i="0" sz="2200" u="none" cap="none" strike="noStrike">
+              <a:solidFill>
+                <a:srgbClr val="000000"/>
+              </a:solidFill>
+              <a:latin typeface="Times New Roman"/>
+              <a:ea typeface="Times New Roman"/>
+              <a:cs typeface="Times New Roman"/>
+              <a:sym typeface="Times New Roman"/>
+            </a:endParaRPr>
+          </a:p>
+        </p:txBody>
+      </p:sp>
+    </p:spTree>
+  </p:cSld>
+  <p:clrMapOvr>
+    <a:masterClrMapping/>
+  </p:clrMapOvr>
+</p:sld>
+</file>
+
+<file path=ppt/slides/slide8.xml><?xml version="1.0" encoding="utf-8"?>
+<p:sld xmlns:a="http://schemas.openxmlformats.org/drawingml/2006/main" xmlns:r="http://schemas.openxmlformats.org/officeDocument/2006/relationships" xmlns:mc="http://schemas.openxmlformats.org/markup-compatibility/2006" xmlns:mv="urn:schemas-microsoft-com:mac:vml" xmlns:p="http://schemas.openxmlformats.org/presentationml/2006/main" xmlns:c="http://schemas.openxmlformats.org/drawingml/2006/chart" xmlns:dgm="http://schemas.openxmlformats.org/drawingml/2006/diagram" xmlns:o="urn:schemas-microsoft-com:office:office" xmlns:v="urn:schemas-microsoft-com:vml" xmlns:pvml="urn:schemas-microsoft-com:office:powerpoint" xmlns:com="http://schemas.openxmlformats.org/drawingml/2006/compatibility" xmlns:p14="http://schemas.microsoft.com/office/powerpoint/2010/main" xmlns:p15="http://schemas.microsoft.com/office/powerpoint/2012/main" xmlns:ahyp="http://schemas.microsoft.com/office/drawing/2018/hyperlinkcolor">
+  <p:cSld>
+    <p:spTree>
+      <p:nvGrpSpPr>
+        <p:cNvPr id="87" name="Shape 87"/>
+        <p:cNvGrpSpPr/>
+        <p:nvPr/>
+      </p:nvGrpSpPr>
+      <p:grpSpPr>
+        <a:xfrm>
+          <a:off x="0" y="0"/>
+          <a:ext cx="0" cy="0"/>
+          <a:chOff x="0" y="0"/>
+          <a:chExt cx="0" cy="0"/>
+        </a:xfrm>
+      </p:grpSpPr>
+      <p:sp>
+        <p:nvSpPr>
+          <p:cNvPr id="88" name="Google Shape;88;p12"/>
+          <p:cNvSpPr txBox="1"/>
+          <p:nvPr>
+            <p:ph type="title"/>
+          </p:nvPr>
+        </p:nvSpPr>
+        <p:spPr>
+          <a:xfrm>
             <a:off x="-1573920" y="-263880"/>
             <a:ext cx="10515240" cy="1325160"/>
           </a:xfrm>
@@ -12943,7 +14281,7 @@
       </p:sp>
       <p:sp>
         <p:nvSpPr>
-          <p:cNvPr id="79" name="Google Shape;79;p11"/>
+          <p:cNvPr id="89" name="Google Shape;89;p12"/>
           <p:cNvSpPr txBox="1"/>
           <p:nvPr>
             <p:ph idx="12" type="sldNum"/>
@@ -13011,7 +14349,7 @@
       </p:sp>
       <p:pic>
         <p:nvPicPr>
-          <p:cNvPr id="80" name="Google Shape;80;p11"/>
+          <p:cNvPr id="90" name="Google Shape;90;p12"/>
           <p:cNvPicPr preferRelativeResize="0"/>
           <p:nvPr/>
         </p:nvPicPr>
@@ -13025,8 +14363,8 @@
         </p:blipFill>
         <p:spPr>
           <a:xfrm>
-            <a:off x="4442063" y="891155"/>
-            <a:ext cx="3307875" cy="5491921"/>
+            <a:off x="2635250" y="1061280"/>
+            <a:ext cx="6921508" cy="5491919"/>
           </a:xfrm>
           <a:prstGeom prst="rect">
             <a:avLst/>
@@ -13045,12 +14383,12 @@
 </p:sld>
 </file>
 
-<file path=ppt/slides/slide8.xml><?xml version="1.0" encoding="utf-8"?>
+<file path=ppt/slides/slide9.xml><?xml version="1.0" encoding="utf-8"?>
 <p:sld xmlns:a="http://schemas.openxmlformats.org/drawingml/2006/main" xmlns:r="http://schemas.openxmlformats.org/officeDocument/2006/relationships" xmlns:mc="http://schemas.openxmlformats.org/markup-compatibility/2006" xmlns:mv="urn:schemas-microsoft-com:mac:vml" xmlns:p="http://schemas.openxmlformats.org/presentationml/2006/main" xmlns:c="http://schemas.openxmlformats.org/drawingml/2006/chart" xmlns:dgm="http://schemas.openxmlformats.org/drawingml/2006/diagram" xmlns:o="urn:schemas-microsoft-com:office:office" xmlns:v="urn:schemas-microsoft-com:vml" xmlns:pvml="urn:schemas-microsoft-com:office:powerpoint" xmlns:com="http://schemas.openxmlformats.org/drawingml/2006/compatibility" xmlns:p14="http://schemas.microsoft.com/office/powerpoint/2010/main" xmlns:p15="http://schemas.microsoft.com/office/powerpoint/2012/main" xmlns:ahyp="http://schemas.microsoft.com/office/drawing/2018/hyperlinkcolor">
   <p:cSld>
     <p:spTree>
       <p:nvGrpSpPr>
-        <p:cNvPr id="84" name="Shape 84"/>
+        <p:cNvPr id="94" name="Shape 94"/>
         <p:cNvGrpSpPr/>
         <p:nvPr/>
       </p:nvGrpSpPr>
@@ -13064,7 +14402,7 @@
       </p:grpSpPr>
       <p:sp>
         <p:nvSpPr>
-          <p:cNvPr id="85" name="Google Shape;85;p12"/>
+          <p:cNvPr id="95" name="Google Shape;95;p13"/>
           <p:cNvSpPr txBox="1"/>
           <p:nvPr>
             <p:ph type="title"/>
@@ -13072,8 +14410,8 @@
         </p:nvSpPr>
         <p:spPr>
           <a:xfrm>
-            <a:off x="-1635480" y="-329760"/>
-            <a:ext cx="10515240" cy="1325160"/>
+            <a:off x="53576" y="86150"/>
+            <a:ext cx="12049800" cy="1325100"/>
           </a:xfrm>
           <a:prstGeom prst="rect">
             <a:avLst/>
@@ -13116,7 +14454,31 @@
                 <a:cs typeface="Times New Roman"/>
                 <a:sym typeface="Times New Roman"/>
               </a:rPr>
-              <a:t>Алгоритм, использующий Z-буфер</a:t>
+              <a:t>Алгоритм, растеризации многоугольника</a:t>
+            </a:r>
+            <a:r>
+              <a:rPr lang="ru-RU" sz="3600">
+                <a:solidFill>
+                  <a:schemeClr val="dk1"/>
+                </a:solidFill>
+                <a:latin typeface="Times New Roman"/>
+                <a:ea typeface="Times New Roman"/>
+                <a:cs typeface="Times New Roman"/>
+                <a:sym typeface="Times New Roman"/>
+              </a:rPr>
+              <a:t>, </a:t>
+            </a:r>
+            <a:r>
+              <a:rPr b="0" lang="ru-RU" sz="3600" strike="noStrike">
+                <a:solidFill>
+                  <a:schemeClr val="dk1"/>
+                </a:solidFill>
+                <a:latin typeface="Times New Roman"/>
+                <a:ea typeface="Times New Roman"/>
+                <a:cs typeface="Times New Roman"/>
+                <a:sym typeface="Times New Roman"/>
+              </a:rPr>
+              <a:t>использующий Z-буфер</a:t>
             </a:r>
             <a:endParaRPr b="0" sz="3600" strike="noStrike">
               <a:solidFill>
@@ -13132,7 +14494,7 @@
       </p:sp>
       <p:sp>
         <p:nvSpPr>
-          <p:cNvPr id="86" name="Google Shape;86;p12"/>
+          <p:cNvPr id="96" name="Google Shape;96;p13"/>
           <p:cNvSpPr txBox="1"/>
           <p:nvPr>
             <p:ph idx="12" type="sldNum"/>
@@ -13200,7 +14562,7 @@
       </p:sp>
       <p:pic>
         <p:nvPicPr>
-          <p:cNvPr id="87" name="Google Shape;87;p12"/>
+          <p:cNvPr id="97" name="Google Shape;97;p13"/>
           <p:cNvPicPr preferRelativeResize="0"/>
           <p:nvPr/>
         </p:nvPicPr>
@@ -13214,209 +14576,8 @@
         </p:blipFill>
         <p:spPr>
           <a:xfrm>
-            <a:off x="3527450" y="995400"/>
-            <a:ext cx="5137089" cy="5557799"/>
-          </a:xfrm>
-          <a:prstGeom prst="rect">
-            <a:avLst/>
-          </a:prstGeom>
-          <a:noFill/>
-          <a:ln>
-            <a:noFill/>
-          </a:ln>
-        </p:spPr>
-      </p:pic>
-    </p:spTree>
-  </p:cSld>
-  <p:clrMapOvr>
-    <a:masterClrMapping/>
-  </p:clrMapOvr>
-</p:sld>
-</file>
-
-<file path=ppt/slides/slide9.xml><?xml version="1.0" encoding="utf-8"?>
-<p:sld xmlns:a="http://schemas.openxmlformats.org/drawingml/2006/main" xmlns:r="http://schemas.openxmlformats.org/officeDocument/2006/relationships" xmlns:mc="http://schemas.openxmlformats.org/markup-compatibility/2006" xmlns:mv="urn:schemas-microsoft-com:mac:vml" xmlns:p="http://schemas.openxmlformats.org/presentationml/2006/main" xmlns:c="http://schemas.openxmlformats.org/drawingml/2006/chart" xmlns:dgm="http://schemas.openxmlformats.org/drawingml/2006/diagram" xmlns:o="urn:schemas-microsoft-com:office:office" xmlns:v="urn:schemas-microsoft-com:vml" xmlns:pvml="urn:schemas-microsoft-com:office:powerpoint" xmlns:com="http://schemas.openxmlformats.org/drawingml/2006/compatibility" xmlns:p14="http://schemas.microsoft.com/office/powerpoint/2010/main" xmlns:p15="http://schemas.microsoft.com/office/powerpoint/2012/main" xmlns:ahyp="http://schemas.microsoft.com/office/drawing/2018/hyperlinkcolor">
-  <p:cSld>
-    <p:spTree>
-      <p:nvGrpSpPr>
-        <p:cNvPr id="91" name="Shape 91"/>
-        <p:cNvGrpSpPr/>
-        <p:nvPr/>
-      </p:nvGrpSpPr>
-      <p:grpSpPr>
-        <a:xfrm>
-          <a:off x="0" y="0"/>
-          <a:ext cx="0" cy="0"/>
-          <a:chOff x="0" y="0"/>
-          <a:chExt cx="0" cy="0"/>
-        </a:xfrm>
-      </p:grpSpPr>
-      <p:sp>
-        <p:nvSpPr>
-          <p:cNvPr id="92" name="Google Shape;92;p13"/>
-          <p:cNvSpPr txBox="1"/>
-          <p:nvPr>
-            <p:ph type="title"/>
-          </p:nvPr>
-        </p:nvSpPr>
-        <p:spPr>
-          <a:xfrm>
-            <a:off x="0" y="-290880"/>
-            <a:ext cx="12198960" cy="1325160"/>
-          </a:xfrm>
-          <a:prstGeom prst="rect">
-            <a:avLst/>
-          </a:prstGeom>
-          <a:noFill/>
-          <a:ln>
-            <a:noFill/>
-          </a:ln>
-        </p:spPr>
-        <p:txBody>
-          <a:bodyPr anchorCtr="0" anchor="ctr" bIns="45700" lIns="91425" spcFirstLastPara="1" rIns="91425" wrap="square" tIns="45700">
-            <a:normAutofit/>
-          </a:bodyPr>
-          <a:lstStyle/>
-          <a:p>
-            <a:pPr indent="0" lvl="0" marL="0" rtl="0" algn="l">
-              <a:lnSpc>
-                <a:spcPct val="90000"/>
-              </a:lnSpc>
-              <a:spcBef>
-                <a:spcPts val="0"/>
-              </a:spcBef>
-              <a:spcAft>
-                <a:spcPts val="0"/>
-              </a:spcAft>
-              <a:buClr>
-                <a:schemeClr val="dk1"/>
-              </a:buClr>
-              <a:buSzPts val="3600"/>
-              <a:buFont typeface="Times New Roman"/>
-              <a:buNone/>
-            </a:pPr>
-            <a:r>
-              <a:rPr b="0" lang="ru-RU" sz="3300" strike="noStrike">
-                <a:solidFill>
-                  <a:schemeClr val="dk1"/>
-                </a:solidFill>
-                <a:latin typeface="Times New Roman"/>
-                <a:ea typeface="Times New Roman"/>
-                <a:cs typeface="Times New Roman"/>
-                <a:sym typeface="Times New Roman"/>
-              </a:rPr>
-              <a:t>Алгоритм </a:t>
-            </a:r>
-            <a:r>
-              <a:rPr lang="ru-RU" sz="3300">
-                <a:solidFill>
-                  <a:schemeClr val="dk1"/>
-                </a:solidFill>
-                <a:latin typeface="Times New Roman"/>
-                <a:ea typeface="Times New Roman"/>
-                <a:cs typeface="Times New Roman"/>
-                <a:sym typeface="Times New Roman"/>
-              </a:rPr>
-              <a:t>генерации сцены методом коллапса волновой функции</a:t>
-            </a:r>
-            <a:endParaRPr b="0" sz="3300" strike="noStrike">
-              <a:solidFill>
-                <a:schemeClr val="dk1"/>
-              </a:solidFill>
-              <a:latin typeface="Arial"/>
-              <a:ea typeface="Arial"/>
-              <a:cs typeface="Arial"/>
-              <a:sym typeface="Arial"/>
-            </a:endParaRPr>
-          </a:p>
-        </p:txBody>
-      </p:sp>
-      <p:sp>
-        <p:nvSpPr>
-          <p:cNvPr id="93" name="Google Shape;93;p13"/>
-          <p:cNvSpPr txBox="1"/>
-          <p:nvPr>
-            <p:ph idx="12" type="sldNum"/>
-          </p:nvPr>
-        </p:nvSpPr>
-        <p:spPr>
-          <a:xfrm>
-            <a:off x="9158400" y="6395040"/>
-            <a:ext cx="2742840" cy="364680"/>
-          </a:xfrm>
-          <a:prstGeom prst="rect">
-            <a:avLst/>
-          </a:prstGeom>
-          <a:noFill/>
-          <a:ln>
-            <a:noFill/>
-          </a:ln>
-        </p:spPr>
-        <p:txBody>
-          <a:bodyPr anchorCtr="0" anchor="ctr" bIns="45700" lIns="91425" spcFirstLastPara="1" rIns="91425" wrap="square" tIns="45700">
-            <a:noAutofit/>
-          </a:bodyPr>
-          <a:lstStyle/>
-          <a:p>
-            <a:pPr indent="0" lvl="0" marL="0" marR="0" rtl="0" algn="r">
-              <a:lnSpc>
-                <a:spcPct val="100000"/>
-              </a:lnSpc>
-              <a:spcBef>
-                <a:spcPts val="0"/>
-              </a:spcBef>
-              <a:spcAft>
-                <a:spcPts val="0"/>
-              </a:spcAft>
-              <a:buClr>
-                <a:srgbClr val="757575"/>
-              </a:buClr>
-              <a:buSzPts val="2200"/>
-              <a:buFont typeface="Arial"/>
-              <a:buNone/>
-            </a:pPr>
-            <a:fld id="{00000000-1234-1234-1234-123412341234}" type="slidenum">
-              <a:rPr b="0" i="0" lang="ru-RU" sz="2200" u="none" cap="none" strike="noStrike">
-                <a:solidFill>
-                  <a:srgbClr val="757575"/>
-                </a:solidFill>
-                <a:latin typeface="Arial"/>
-                <a:ea typeface="Arial"/>
-                <a:cs typeface="Arial"/>
-                <a:sym typeface="Arial"/>
-              </a:rPr>
-              <a:t>‹#›</a:t>
-            </a:fld>
-            <a:endParaRPr b="0" i="0" sz="2200" u="none" cap="none" strike="noStrike">
-              <a:solidFill>
-                <a:srgbClr val="000000"/>
-              </a:solidFill>
-              <a:latin typeface="Times New Roman"/>
-              <a:ea typeface="Times New Roman"/>
-              <a:cs typeface="Times New Roman"/>
-              <a:sym typeface="Times New Roman"/>
-            </a:endParaRPr>
-          </a:p>
-        </p:txBody>
-      </p:sp>
-      <p:pic>
-        <p:nvPicPr>
-          <p:cNvPr id="94" name="Google Shape;94;p13"/>
-          <p:cNvPicPr preferRelativeResize="0"/>
-          <p:nvPr/>
-        </p:nvPicPr>
-        <p:blipFill>
-          <a:blip r:embed="rId3">
-            <a:alphaModFix/>
-          </a:blip>
-          <a:stretch>
-            <a:fillRect/>
-          </a:stretch>
-        </p:blipFill>
-        <p:spPr>
-          <a:xfrm>
-            <a:off x="4337663" y="1034280"/>
-            <a:ext cx="3523619" cy="5518921"/>
+            <a:off x="3128138" y="1411250"/>
+            <a:ext cx="5935734" cy="5141951"/>
           </a:xfrm>
           <a:prstGeom prst="rect">
             <a:avLst/>
@@ -13436,9 +14597,9 @@
 </file>
 
 <file path=ppt/theme/theme1.xml><?xml version="1.0" encoding="utf-8"?>
-<a:theme xmlns:a="http://schemas.openxmlformats.org/drawingml/2006/main" xmlns:r="http://schemas.openxmlformats.org/officeDocument/2006/relationships" name="Тема Office">
+<a:theme xmlns:a="http://schemas.openxmlformats.org/drawingml/2006/main" xmlns:r="http://schemas.openxmlformats.org/officeDocument/2006/relationships">
   <a:themeElements>
-    <a:clrScheme name="Стандартная">
+    <a:clrScheme name="Default">
       <a:dk1>
         <a:srgbClr val="000000"/>
       </a:dk1>
@@ -13446,34 +14607,34 @@
         <a:srgbClr val="FFFFFF"/>
       </a:lt1>
       <a:dk2>
-        <a:srgbClr val="0E2841"/>
+        <a:srgbClr val="158158"/>
       </a:dk2>
       <a:lt2>
-        <a:srgbClr val="E8E8E8"/>
+        <a:srgbClr val="F3F3F3"/>
       </a:lt2>
       <a:accent1>
-        <a:srgbClr val="156082"/>
+        <a:srgbClr val="058DC7"/>
       </a:accent1>
       <a:accent2>
-        <a:srgbClr val="E97132"/>
+        <a:srgbClr val="50B432"/>
       </a:accent2>
       <a:accent3>
-        <a:srgbClr val="196B24"/>
+        <a:srgbClr val="ED561B"/>
       </a:accent3>
       <a:accent4>
-        <a:srgbClr val="0F9ED5"/>
+        <a:srgbClr val="EDEF00"/>
       </a:accent4>
       <a:accent5>
-        <a:srgbClr val="A02B93"/>
+        <a:srgbClr val="24CBE5"/>
       </a:accent5>
       <a:accent6>
-        <a:srgbClr val="4EA72E"/>
+        <a:srgbClr val="64E572"/>
       </a:accent6>
       <a:hlink>
-        <a:srgbClr val="467886"/>
+        <a:srgbClr val="2200CC"/>
       </a:hlink>
       <a:folHlink>
-        <a:srgbClr val="96607D"/>
+        <a:srgbClr val="551A8B"/>
       </a:folHlink>
     </a:clrScheme>
     <a:fontScheme name="Office">
@@ -13715,9 +14876,9 @@
 </file>
 
 <file path=ppt/theme/theme2.xml><?xml version="1.0" encoding="utf-8"?>
-<a:theme xmlns:a="http://schemas.openxmlformats.org/drawingml/2006/main" xmlns:r="http://schemas.openxmlformats.org/officeDocument/2006/relationships">
+<a:theme xmlns:a="http://schemas.openxmlformats.org/drawingml/2006/main" xmlns:r="http://schemas.openxmlformats.org/officeDocument/2006/relationships" name="Тема Office">
   <a:themeElements>
-    <a:clrScheme name="Default">
+    <a:clrScheme name="Стандартная">
       <a:dk1>
         <a:srgbClr val="000000"/>
       </a:dk1>
@@ -13725,34 +14886,34 @@
         <a:srgbClr val="FFFFFF"/>
       </a:lt1>
       <a:dk2>
-        <a:srgbClr val="158158"/>
+        <a:srgbClr val="0E2841"/>
       </a:dk2>
       <a:lt2>
-        <a:srgbClr val="F3F3F3"/>
+        <a:srgbClr val="E8E8E8"/>
       </a:lt2>
       <a:accent1>
-        <a:srgbClr val="058DC7"/>
+        <a:srgbClr val="156082"/>
       </a:accent1>
       <a:accent2>
-        <a:srgbClr val="50B432"/>
+        <a:srgbClr val="E97132"/>
       </a:accent2>
       <a:accent3>
-        <a:srgbClr val="ED561B"/>
+        <a:srgbClr val="196B24"/>
       </a:accent3>
       <a:accent4>
-        <a:srgbClr val="EDEF00"/>
+        <a:srgbClr val="0F9ED5"/>
       </a:accent4>
       <a:accent5>
-        <a:srgbClr val="24CBE5"/>
+        <a:srgbClr val="A02B93"/>
       </a:accent5>
       <a:accent6>
-        <a:srgbClr val="64E572"/>
+        <a:srgbClr val="4EA72E"/>
       </a:accent6>
       <a:hlink>
-        <a:srgbClr val="2200CC"/>
+        <a:srgbClr val="467886"/>
       </a:hlink>
       <a:folHlink>
-        <a:srgbClr val="551A8B"/>
+        <a:srgbClr val="96607D"/>
       </a:folHlink>
     </a:clrScheme>
     <a:fontScheme name="Office">
